--- a/Cy_01_Architecture_Algorithmique/Ch_01_ArchitectureMaterielleLogicielle/Cours/images/Figures.pptx
+++ b/Cy_01_Architecture_Algorithmique/Ch_01_ArchitectureMaterielleLogicielle/Cours/images/Figures.pptx
@@ -5,15 +5,16 @@
     <p:sldMasterId id="2147483648" r:id="rId1"/>
   </p:sldMasterIdLst>
   <p:notesMasterIdLst>
-    <p:notesMasterId r:id="rId5"/>
+    <p:notesMasterId r:id="rId6"/>
   </p:notesMasterIdLst>
   <p:handoutMasterIdLst>
-    <p:handoutMasterId r:id="rId6"/>
+    <p:handoutMasterId r:id="rId7"/>
   </p:handoutMasterIdLst>
   <p:sldIdLst>
     <p:sldId id="304" r:id="rId2"/>
     <p:sldId id="305" r:id="rId3"/>
     <p:sldId id="306" r:id="rId4"/>
+    <p:sldId id="307" r:id="rId5"/>
   </p:sldIdLst>
   <p:sldSz cx="9144000" cy="6858000" type="screen4x3"/>
   <p:notesSz cx="6858000" cy="9144000"/>
@@ -110,6 +111,36 @@
     </a:lvl9pPr>
     <a:extLst/>
   </p:defaultTextStyle>
+  <p:extLst>
+    <p:ext uri="{EFAFB233-063F-42B5-8137-9DF3F51BA10A}">
+      <p15:sldGuideLst xmlns:p15="http://schemas.microsoft.com/office/powerpoint/2012/main">
+        <p15:guide id="1" orient="horz" pos="2160">
+          <p15:clr>
+            <a:srgbClr val="A4A3A4"/>
+          </p15:clr>
+        </p15:guide>
+        <p15:guide id="2" pos="2880">
+          <p15:clr>
+            <a:srgbClr val="A4A3A4"/>
+          </p15:clr>
+        </p15:guide>
+      </p15:sldGuideLst>
+    </p:ext>
+    <p:ext uri="{2D200454-40CA-4A62-9FC3-DE9A4176ACB9}">
+      <p15:notesGuideLst xmlns:p15="http://schemas.microsoft.com/office/powerpoint/2012/main">
+        <p15:guide id="1" orient="horz" pos="2880">
+          <p15:clr>
+            <a:srgbClr val="A4A3A4"/>
+          </p15:clr>
+        </p15:guide>
+        <p15:guide id="2" pos="2160">
+          <p15:clr>
+            <a:srgbClr val="A4A3A4"/>
+          </p15:clr>
+        </p15:guide>
+      </p15:notesGuideLst>
+    </p:ext>
+  </p:extLst>
 </p:presentation>
 </file>
 
@@ -156,9 +187,7 @@
         </p:spPr>
         <p:txBody>
           <a:bodyPr vert="horz"/>
-          <a:lstStyle>
-            <a:extLst/>
-          </a:lstStyle>
+          <a:lstStyle/>
           <a:p>
             <a:endParaRPr lang="fr-FR"/>
           </a:p>
@@ -185,14 +214,12 @@
         </p:spPr>
         <p:txBody>
           <a:bodyPr vert="horz"/>
-          <a:lstStyle>
-            <a:extLst/>
-          </a:lstStyle>
+          <a:lstStyle/>
           <a:p>
             <a:fld id="{31555DB1-8736-42A3-B48D-2B08FB93332A}" type="datetimeFigureOut">
               <a:rPr lang="fr-FR" smtClean="0"/>
               <a:pPr/>
-              <a:t>26/08/2013</a:t>
+              <a:t>10/07/2019</a:t>
             </a:fld>
             <a:endParaRPr lang="fr-FR"/>
           </a:p>
@@ -219,9 +246,7 @@
         </p:spPr>
         <p:txBody>
           <a:bodyPr vert="horz"/>
-          <a:lstStyle>
-            <a:extLst/>
-          </a:lstStyle>
+          <a:lstStyle/>
           <a:p>
             <a:endParaRPr lang="fr-FR"/>
           </a:p>
@@ -248,9 +273,7 @@
         </p:spPr>
         <p:txBody>
           <a:bodyPr vert="horz"/>
-          <a:lstStyle>
-            <a:extLst/>
-          </a:lstStyle>
+          <a:lstStyle/>
           <a:p>
             <a:fld id="{5400D380-E0D7-4EB1-B91E-BFCC7DA7F29D}" type="slidenum">
               <a:rPr lang="fr-FR" smtClean="0"/>
@@ -315,9 +338,7 @@
         </p:spPr>
         <p:txBody>
           <a:bodyPr vert="horz"/>
-          <a:lstStyle>
-            <a:extLst/>
-          </a:lstStyle>
+          <a:lstStyle/>
           <a:p>
             <a:endParaRPr lang="fr-FR"/>
           </a:p>
@@ -344,14 +365,12 @@
         </p:spPr>
         <p:txBody>
           <a:bodyPr vert="horz"/>
-          <a:lstStyle>
-            <a:extLst/>
-          </a:lstStyle>
+          <a:lstStyle/>
           <a:p>
             <a:fld id="{0BDB199F-A56C-4049-BA04-1447030960FF}" type="datetimeFigureOut">
-              <a:rPr/>
+              <a:rPr lang="fr-FR"/>
               <a:pPr/>
-              <a:t>28/6/2006</a:t>
+              <a:t>10/07/2019</a:t>
             </a:fld>
             <a:endParaRPr lang="fr-FR"/>
           </a:p>
@@ -384,9 +403,7 @@
         </p:spPr>
         <p:txBody>
           <a:bodyPr vert="horz" anchor="ctr"/>
-          <a:lstStyle>
-            <a:extLst/>
-          </a:lstStyle>
+          <a:lstStyle/>
           <a:p>
             <a:endParaRPr lang="fr-FR"/>
           </a:p>
@@ -415,9 +432,7 @@
           <a:bodyPr vert="horz">
             <a:normAutofit/>
           </a:bodyPr>
-          <a:lstStyle>
-            <a:extLst/>
-          </a:lstStyle>
+          <a:lstStyle/>
           <a:p>
             <a:pPr lvl="0"/>
             <a:r>
@@ -476,9 +491,7 @@
         </p:spPr>
         <p:txBody>
           <a:bodyPr vert="horz"/>
-          <a:lstStyle>
-            <a:extLst/>
-          </a:lstStyle>
+          <a:lstStyle/>
           <a:p>
             <a:endParaRPr lang="fr-FR"/>
           </a:p>
@@ -505,9 +518,7 @@
         </p:spPr>
         <p:txBody>
           <a:bodyPr vert="horz"/>
-          <a:lstStyle>
-            <a:extLst/>
-          </a:lstStyle>
+          <a:lstStyle/>
           <a:p>
             <a:fld id="{B3A019F3-8596-4028-9847-CBD3A185B07A}" type="slidenum">
               <a:rPr/>
@@ -696,13 +707,11 @@
         <p:spPr/>
         <p:txBody>
           <a:bodyPr/>
-          <a:lstStyle>
-            <a:extLst/>
-          </a:lstStyle>
+          <a:lstStyle/>
           <a:p>
             <a:pPr algn="r"/>
             <a:r>
-              <a:rPr lang="fr-FR" smtClean="0"/>
+              <a:rPr lang="fr-FR"/>
               <a:t>28/6/2006</a:t>
             </a:r>
             <a:endParaRPr kumimoji="0" lang="fr-FR"/>
@@ -751,9 +760,7 @@
         <p:spPr/>
         <p:txBody>
           <a:bodyPr/>
-          <a:lstStyle>
-            <a:extLst/>
-          </a:lstStyle>
+          <a:lstStyle/>
           <a:p>
             <a:endParaRPr kumimoji="0" lang="fr-FR"/>
           </a:p>
@@ -805,13 +812,11 @@
         </p:spPr>
         <p:txBody>
           <a:bodyPr/>
-          <a:lstStyle>
-            <a:extLst/>
-          </a:lstStyle>
+          <a:lstStyle/>
           <a:p>
             <a:pPr eaLnBrk="1" latinLnBrk="0" hangingPunct="1"/>
             <a:r>
-              <a:rPr lang="fr-FR" smtClean="0"/>
+              <a:rPr lang="fr-FR"/>
               <a:t>Modifiez le style du titre</a:t>
             </a:r>
             <a:endParaRPr/>
@@ -878,41 +883,39 @@
         </p:spPr>
         <p:txBody>
           <a:bodyPr/>
-          <a:lstStyle>
-            <a:extLst/>
-          </a:lstStyle>
+          <a:lstStyle/>
           <a:p>
             <a:pPr lvl="0" eaLnBrk="1" latinLnBrk="0" hangingPunct="1"/>
             <a:r>
-              <a:rPr lang="fr-FR" smtClean="0"/>
+              <a:rPr lang="fr-FR"/>
               <a:t>Modifiez les styles du texte du masque</a:t>
             </a:r>
           </a:p>
           <a:p>
             <a:pPr lvl="1" eaLnBrk="1" latinLnBrk="0" hangingPunct="1"/>
             <a:r>
-              <a:rPr lang="fr-FR" smtClean="0"/>
+              <a:rPr lang="fr-FR"/>
               <a:t>Deuxième niveau</a:t>
             </a:r>
           </a:p>
           <a:p>
             <a:pPr lvl="2" eaLnBrk="1" latinLnBrk="0" hangingPunct="1"/>
             <a:r>
-              <a:rPr lang="fr-FR" smtClean="0"/>
+              <a:rPr lang="fr-FR"/>
               <a:t>Troisième niveau</a:t>
             </a:r>
           </a:p>
           <a:p>
             <a:pPr lvl="3" eaLnBrk="1" latinLnBrk="0" hangingPunct="1"/>
             <a:r>
-              <a:rPr lang="fr-FR" smtClean="0"/>
+              <a:rPr lang="fr-FR"/>
               <a:t>Quatrième niveau</a:t>
             </a:r>
           </a:p>
           <a:p>
             <a:pPr lvl="4" eaLnBrk="1" latinLnBrk="0" hangingPunct="1"/>
             <a:r>
-              <a:rPr lang="fr-FR" smtClean="0"/>
+              <a:rPr lang="fr-FR"/>
               <a:t>Cinquième niveau</a:t>
             </a:r>
             <a:endParaRPr/>
@@ -979,41 +982,39 @@
         </p:spPr>
         <p:txBody>
           <a:bodyPr/>
-          <a:lstStyle>
-            <a:extLst/>
-          </a:lstStyle>
+          <a:lstStyle/>
           <a:p>
             <a:pPr lvl="0" eaLnBrk="1" latinLnBrk="0" hangingPunct="1"/>
             <a:r>
-              <a:rPr lang="fr-FR" smtClean="0"/>
+              <a:rPr lang="fr-FR"/>
               <a:t>Modifiez les styles du texte du masque</a:t>
             </a:r>
           </a:p>
           <a:p>
             <a:pPr lvl="1" eaLnBrk="1" latinLnBrk="0" hangingPunct="1"/>
             <a:r>
-              <a:rPr lang="fr-FR" smtClean="0"/>
+              <a:rPr lang="fr-FR"/>
               <a:t>Deuxième niveau</a:t>
             </a:r>
           </a:p>
           <a:p>
             <a:pPr lvl="2" eaLnBrk="1" latinLnBrk="0" hangingPunct="1"/>
             <a:r>
-              <a:rPr lang="fr-FR" smtClean="0"/>
+              <a:rPr lang="fr-FR"/>
               <a:t>Troisième niveau</a:t>
             </a:r>
           </a:p>
           <a:p>
             <a:pPr lvl="3" eaLnBrk="1" latinLnBrk="0" hangingPunct="1"/>
             <a:r>
-              <a:rPr lang="fr-FR" smtClean="0"/>
+              <a:rPr lang="fr-FR"/>
               <a:t>Quatrième niveau</a:t>
             </a:r>
           </a:p>
           <a:p>
             <a:pPr lvl="4" eaLnBrk="1" latinLnBrk="0" hangingPunct="1"/>
             <a:r>
-              <a:rPr lang="fr-FR" smtClean="0"/>
+              <a:rPr lang="fr-FR"/>
               <a:t>Cinquième niveau</a:t>
             </a:r>
             <a:endParaRPr/>
@@ -1080,41 +1081,39 @@
         </p:spPr>
         <p:txBody>
           <a:bodyPr/>
-          <a:lstStyle>
-            <a:extLst/>
-          </a:lstStyle>
+          <a:lstStyle/>
           <a:p>
             <a:pPr lvl="0" eaLnBrk="1" latinLnBrk="0" hangingPunct="1"/>
             <a:r>
-              <a:rPr lang="fr-FR" smtClean="0"/>
+              <a:rPr lang="fr-FR"/>
               <a:t>Modifiez les styles du texte du masque</a:t>
             </a:r>
           </a:p>
           <a:p>
             <a:pPr lvl="1" eaLnBrk="1" latinLnBrk="0" hangingPunct="1"/>
             <a:r>
-              <a:rPr lang="fr-FR" smtClean="0"/>
+              <a:rPr lang="fr-FR"/>
               <a:t>Deuxième niveau</a:t>
             </a:r>
           </a:p>
           <a:p>
             <a:pPr lvl="2" eaLnBrk="1" latinLnBrk="0" hangingPunct="1"/>
             <a:r>
-              <a:rPr lang="fr-FR" smtClean="0"/>
+              <a:rPr lang="fr-FR"/>
               <a:t>Troisième niveau</a:t>
             </a:r>
           </a:p>
           <a:p>
             <a:pPr lvl="3" eaLnBrk="1" latinLnBrk="0" hangingPunct="1"/>
             <a:r>
-              <a:rPr lang="fr-FR" smtClean="0"/>
+              <a:rPr lang="fr-FR"/>
               <a:t>Quatrième niveau</a:t>
             </a:r>
           </a:p>
           <a:p>
             <a:pPr lvl="4" eaLnBrk="1" latinLnBrk="0" hangingPunct="1"/>
             <a:r>
-              <a:rPr lang="fr-FR" smtClean="0"/>
+              <a:rPr lang="fr-FR"/>
               <a:t>Cinquième niveau</a:t>
             </a:r>
             <a:endParaRPr/>
@@ -1134,13 +1133,11 @@
         <p:spPr/>
         <p:txBody>
           <a:bodyPr/>
-          <a:lstStyle>
-            <a:extLst/>
-          </a:lstStyle>
+          <a:lstStyle/>
           <a:p>
             <a:pPr algn="r"/>
             <a:r>
-              <a:rPr lang="fr-FR" smtClean="0"/>
+              <a:rPr lang="fr-FR"/>
               <a:t>28/6/2006</a:t>
             </a:r>
             <a:endParaRPr kumimoji="0" lang="fr-FR"/>
@@ -1160,9 +1157,7 @@
         <p:spPr/>
         <p:txBody>
           <a:bodyPr/>
-          <a:lstStyle>
-            <a:extLst/>
-          </a:lstStyle>
+          <a:lstStyle/>
           <a:p>
             <a:pPr algn="r"/>
             <a:fld id="{256D3EEF-DE4E-429D-8EC4-DDC531AFF587}" type="slidenum">
@@ -1187,9 +1182,7 @@
         <p:spPr/>
         <p:txBody>
           <a:bodyPr/>
-          <a:lstStyle>
-            <a:extLst/>
-          </a:lstStyle>
+          <a:lstStyle/>
           <a:p>
             <a:endParaRPr kumimoji="0" lang="fr-FR"/>
           </a:p>
@@ -1241,13 +1234,11 @@
         </p:spPr>
         <p:txBody>
           <a:bodyPr/>
-          <a:lstStyle>
-            <a:extLst/>
-          </a:lstStyle>
+          <a:lstStyle/>
           <a:p>
             <a:pPr eaLnBrk="1" latinLnBrk="0" hangingPunct="1"/>
             <a:r>
-              <a:rPr lang="fr-FR" smtClean="0"/>
+              <a:rPr lang="fr-FR"/>
               <a:t>Modifiez le style du titre</a:t>
             </a:r>
             <a:endParaRPr/>
@@ -1314,41 +1305,39 @@
         </p:spPr>
         <p:txBody>
           <a:bodyPr/>
-          <a:lstStyle>
-            <a:extLst/>
-          </a:lstStyle>
+          <a:lstStyle/>
           <a:p>
             <a:pPr lvl="0" eaLnBrk="1" latinLnBrk="0" hangingPunct="1"/>
             <a:r>
-              <a:rPr lang="fr-FR" smtClean="0"/>
+              <a:rPr lang="fr-FR"/>
               <a:t>Modifiez les styles du texte du masque</a:t>
             </a:r>
           </a:p>
           <a:p>
             <a:pPr lvl="1" eaLnBrk="1" latinLnBrk="0" hangingPunct="1"/>
             <a:r>
-              <a:rPr lang="fr-FR" smtClean="0"/>
+              <a:rPr lang="fr-FR"/>
               <a:t>Deuxième niveau</a:t>
             </a:r>
           </a:p>
           <a:p>
             <a:pPr lvl="2" eaLnBrk="1" latinLnBrk="0" hangingPunct="1"/>
             <a:r>
-              <a:rPr lang="fr-FR" smtClean="0"/>
+              <a:rPr lang="fr-FR"/>
               <a:t>Troisième niveau</a:t>
             </a:r>
           </a:p>
           <a:p>
             <a:pPr lvl="3" eaLnBrk="1" latinLnBrk="0" hangingPunct="1"/>
             <a:r>
-              <a:rPr lang="fr-FR" smtClean="0"/>
+              <a:rPr lang="fr-FR"/>
               <a:t>Quatrième niveau</a:t>
             </a:r>
           </a:p>
           <a:p>
             <a:pPr lvl="4" eaLnBrk="1" latinLnBrk="0" hangingPunct="1"/>
             <a:r>
-              <a:rPr lang="fr-FR" smtClean="0"/>
+              <a:rPr lang="fr-FR"/>
               <a:t>Cinquième niveau</a:t>
             </a:r>
             <a:endParaRPr/>
@@ -1415,41 +1404,39 @@
         </p:spPr>
         <p:txBody>
           <a:bodyPr/>
-          <a:lstStyle>
-            <a:extLst/>
-          </a:lstStyle>
+          <a:lstStyle/>
           <a:p>
             <a:pPr lvl="0" eaLnBrk="1" latinLnBrk="0" hangingPunct="1"/>
             <a:r>
-              <a:rPr lang="fr-FR" smtClean="0"/>
+              <a:rPr lang="fr-FR"/>
               <a:t>Modifiez les styles du texte du masque</a:t>
             </a:r>
           </a:p>
           <a:p>
             <a:pPr lvl="1" eaLnBrk="1" latinLnBrk="0" hangingPunct="1"/>
             <a:r>
-              <a:rPr lang="fr-FR" smtClean="0"/>
+              <a:rPr lang="fr-FR"/>
               <a:t>Deuxième niveau</a:t>
             </a:r>
           </a:p>
           <a:p>
             <a:pPr lvl="2" eaLnBrk="1" latinLnBrk="0" hangingPunct="1"/>
             <a:r>
-              <a:rPr lang="fr-FR" smtClean="0"/>
+              <a:rPr lang="fr-FR"/>
               <a:t>Troisième niveau</a:t>
             </a:r>
           </a:p>
           <a:p>
             <a:pPr lvl="3" eaLnBrk="1" latinLnBrk="0" hangingPunct="1"/>
             <a:r>
-              <a:rPr lang="fr-FR" smtClean="0"/>
+              <a:rPr lang="fr-FR"/>
               <a:t>Quatrième niveau</a:t>
             </a:r>
           </a:p>
           <a:p>
             <a:pPr lvl="4" eaLnBrk="1" latinLnBrk="0" hangingPunct="1"/>
             <a:r>
-              <a:rPr lang="fr-FR" smtClean="0"/>
+              <a:rPr lang="fr-FR"/>
               <a:t>Cinquième niveau</a:t>
             </a:r>
             <a:endParaRPr/>
@@ -1516,41 +1503,39 @@
         </p:spPr>
         <p:txBody>
           <a:bodyPr/>
-          <a:lstStyle>
-            <a:extLst/>
-          </a:lstStyle>
+          <a:lstStyle/>
           <a:p>
             <a:pPr lvl="0" eaLnBrk="1" latinLnBrk="0" hangingPunct="1"/>
             <a:r>
-              <a:rPr lang="fr-FR" smtClean="0"/>
+              <a:rPr lang="fr-FR"/>
               <a:t>Modifiez les styles du texte du masque</a:t>
             </a:r>
           </a:p>
           <a:p>
             <a:pPr lvl="1" eaLnBrk="1" latinLnBrk="0" hangingPunct="1"/>
             <a:r>
-              <a:rPr lang="fr-FR" smtClean="0"/>
+              <a:rPr lang="fr-FR"/>
               <a:t>Deuxième niveau</a:t>
             </a:r>
           </a:p>
           <a:p>
             <a:pPr lvl="2" eaLnBrk="1" latinLnBrk="0" hangingPunct="1"/>
             <a:r>
-              <a:rPr lang="fr-FR" smtClean="0"/>
+              <a:rPr lang="fr-FR"/>
               <a:t>Troisième niveau</a:t>
             </a:r>
           </a:p>
           <a:p>
             <a:pPr lvl="3" eaLnBrk="1" latinLnBrk="0" hangingPunct="1"/>
             <a:r>
-              <a:rPr lang="fr-FR" smtClean="0"/>
+              <a:rPr lang="fr-FR"/>
               <a:t>Quatrième niveau</a:t>
             </a:r>
           </a:p>
           <a:p>
             <a:pPr lvl="4" eaLnBrk="1" latinLnBrk="0" hangingPunct="1"/>
             <a:r>
-              <a:rPr lang="fr-FR" smtClean="0"/>
+              <a:rPr lang="fr-FR"/>
               <a:t>Cinquième niveau</a:t>
             </a:r>
             <a:endParaRPr/>
@@ -1617,41 +1602,39 @@
         </p:spPr>
         <p:txBody>
           <a:bodyPr/>
-          <a:lstStyle>
-            <a:extLst/>
-          </a:lstStyle>
+          <a:lstStyle/>
           <a:p>
             <a:pPr lvl="0" eaLnBrk="1" latinLnBrk="0" hangingPunct="1"/>
             <a:r>
-              <a:rPr lang="fr-FR" smtClean="0"/>
+              <a:rPr lang="fr-FR"/>
               <a:t>Modifiez les styles du texte du masque</a:t>
             </a:r>
           </a:p>
           <a:p>
             <a:pPr lvl="1" eaLnBrk="1" latinLnBrk="0" hangingPunct="1"/>
             <a:r>
-              <a:rPr lang="fr-FR" smtClean="0"/>
+              <a:rPr lang="fr-FR"/>
               <a:t>Deuxième niveau</a:t>
             </a:r>
           </a:p>
           <a:p>
             <a:pPr lvl="2" eaLnBrk="1" latinLnBrk="0" hangingPunct="1"/>
             <a:r>
-              <a:rPr lang="fr-FR" smtClean="0"/>
+              <a:rPr lang="fr-FR"/>
               <a:t>Troisième niveau</a:t>
             </a:r>
           </a:p>
           <a:p>
             <a:pPr lvl="3" eaLnBrk="1" latinLnBrk="0" hangingPunct="1"/>
             <a:r>
-              <a:rPr lang="fr-FR" smtClean="0"/>
+              <a:rPr lang="fr-FR"/>
               <a:t>Quatrième niveau</a:t>
             </a:r>
           </a:p>
           <a:p>
             <a:pPr lvl="4" eaLnBrk="1" latinLnBrk="0" hangingPunct="1"/>
             <a:r>
-              <a:rPr lang="fr-FR" smtClean="0"/>
+              <a:rPr lang="fr-FR"/>
               <a:t>Cinquième niveau</a:t>
             </a:r>
             <a:endParaRPr/>
@@ -1671,13 +1654,11 @@
         <p:spPr/>
         <p:txBody>
           <a:bodyPr/>
-          <a:lstStyle>
-            <a:extLst/>
-          </a:lstStyle>
+          <a:lstStyle/>
           <a:p>
             <a:pPr algn="r"/>
             <a:r>
-              <a:rPr lang="fr-FR" smtClean="0"/>
+              <a:rPr lang="fr-FR"/>
               <a:t>28/6/2006</a:t>
             </a:r>
             <a:endParaRPr kumimoji="0" lang="fr-FR"/>
@@ -1697,9 +1678,7 @@
         <p:spPr/>
         <p:txBody>
           <a:bodyPr/>
-          <a:lstStyle>
-            <a:extLst/>
-          </a:lstStyle>
+          <a:lstStyle/>
           <a:p>
             <a:pPr algn="r"/>
             <a:fld id="{256D3EEF-DE4E-429D-8EC4-DDC531AFF587}" type="slidenum">
@@ -1724,9 +1703,7 @@
         <p:spPr/>
         <p:txBody>
           <a:bodyPr/>
-          <a:lstStyle>
-            <a:extLst/>
-          </a:lstStyle>
+          <a:lstStyle/>
           <a:p>
             <a:endParaRPr kumimoji="0" lang="fr-FR"/>
           </a:p>
@@ -1778,13 +1755,11 @@
         </p:spPr>
         <p:txBody>
           <a:bodyPr/>
-          <a:lstStyle>
-            <a:extLst/>
-          </a:lstStyle>
+          <a:lstStyle/>
           <a:p>
             <a:pPr eaLnBrk="1" latinLnBrk="0" hangingPunct="1"/>
             <a:r>
-              <a:rPr lang="fr-FR" smtClean="0"/>
+              <a:rPr lang="fr-FR"/>
               <a:t>Modifiez le style du titre</a:t>
             </a:r>
             <a:endParaRPr/>
@@ -1851,41 +1826,39 @@
         </p:spPr>
         <p:txBody>
           <a:bodyPr/>
-          <a:lstStyle>
-            <a:extLst/>
-          </a:lstStyle>
+          <a:lstStyle/>
           <a:p>
             <a:pPr lvl="0" eaLnBrk="1" latinLnBrk="0" hangingPunct="1"/>
             <a:r>
-              <a:rPr lang="fr-FR" smtClean="0"/>
+              <a:rPr lang="fr-FR"/>
               <a:t>Modifiez les styles du texte du masque</a:t>
             </a:r>
           </a:p>
           <a:p>
             <a:pPr lvl="1" eaLnBrk="1" latinLnBrk="0" hangingPunct="1"/>
             <a:r>
-              <a:rPr lang="fr-FR" smtClean="0"/>
+              <a:rPr lang="fr-FR"/>
               <a:t>Deuxième niveau</a:t>
             </a:r>
           </a:p>
           <a:p>
             <a:pPr lvl="2" eaLnBrk="1" latinLnBrk="0" hangingPunct="1"/>
             <a:r>
-              <a:rPr lang="fr-FR" smtClean="0"/>
+              <a:rPr lang="fr-FR"/>
               <a:t>Troisième niveau</a:t>
             </a:r>
           </a:p>
           <a:p>
             <a:pPr lvl="3" eaLnBrk="1" latinLnBrk="0" hangingPunct="1"/>
             <a:r>
-              <a:rPr lang="fr-FR" smtClean="0"/>
+              <a:rPr lang="fr-FR"/>
               <a:t>Quatrième niveau</a:t>
             </a:r>
           </a:p>
           <a:p>
             <a:pPr lvl="4" eaLnBrk="1" latinLnBrk="0" hangingPunct="1"/>
             <a:r>
-              <a:rPr lang="fr-FR" smtClean="0"/>
+              <a:rPr lang="fr-FR"/>
               <a:t>Cinquième niveau</a:t>
             </a:r>
             <a:endParaRPr/>
@@ -1952,41 +1925,39 @@
         </p:spPr>
         <p:txBody>
           <a:bodyPr/>
-          <a:lstStyle>
-            <a:extLst/>
-          </a:lstStyle>
+          <a:lstStyle/>
           <a:p>
             <a:pPr lvl="0" eaLnBrk="1" latinLnBrk="0" hangingPunct="1"/>
             <a:r>
-              <a:rPr lang="fr-FR" smtClean="0"/>
+              <a:rPr lang="fr-FR"/>
               <a:t>Modifiez les styles du texte du masque</a:t>
             </a:r>
           </a:p>
           <a:p>
             <a:pPr lvl="1" eaLnBrk="1" latinLnBrk="0" hangingPunct="1"/>
             <a:r>
-              <a:rPr lang="fr-FR" smtClean="0"/>
+              <a:rPr lang="fr-FR"/>
               <a:t>Deuxième niveau</a:t>
             </a:r>
           </a:p>
           <a:p>
             <a:pPr lvl="2" eaLnBrk="1" latinLnBrk="0" hangingPunct="1"/>
             <a:r>
-              <a:rPr lang="fr-FR" smtClean="0"/>
+              <a:rPr lang="fr-FR"/>
               <a:t>Troisième niveau</a:t>
             </a:r>
           </a:p>
           <a:p>
             <a:pPr lvl="3" eaLnBrk="1" latinLnBrk="0" hangingPunct="1"/>
             <a:r>
-              <a:rPr lang="fr-FR" smtClean="0"/>
+              <a:rPr lang="fr-FR"/>
               <a:t>Quatrième niveau</a:t>
             </a:r>
           </a:p>
           <a:p>
             <a:pPr lvl="4" eaLnBrk="1" latinLnBrk="0" hangingPunct="1"/>
             <a:r>
-              <a:rPr lang="fr-FR" smtClean="0"/>
+              <a:rPr lang="fr-FR"/>
               <a:t>Cinquième niveau</a:t>
             </a:r>
             <a:endParaRPr/>
@@ -2053,41 +2024,39 @@
         </p:spPr>
         <p:txBody>
           <a:bodyPr/>
-          <a:lstStyle>
-            <a:extLst/>
-          </a:lstStyle>
+          <a:lstStyle/>
           <a:p>
             <a:pPr lvl="0" eaLnBrk="1" latinLnBrk="0" hangingPunct="1"/>
             <a:r>
-              <a:rPr lang="fr-FR" smtClean="0"/>
+              <a:rPr lang="fr-FR"/>
               <a:t>Modifiez les styles du texte du masque</a:t>
             </a:r>
           </a:p>
           <a:p>
             <a:pPr lvl="1" eaLnBrk="1" latinLnBrk="0" hangingPunct="1"/>
             <a:r>
-              <a:rPr lang="fr-FR" smtClean="0"/>
+              <a:rPr lang="fr-FR"/>
               <a:t>Deuxième niveau</a:t>
             </a:r>
           </a:p>
           <a:p>
             <a:pPr lvl="2" eaLnBrk="1" latinLnBrk="0" hangingPunct="1"/>
             <a:r>
-              <a:rPr lang="fr-FR" smtClean="0"/>
+              <a:rPr lang="fr-FR"/>
               <a:t>Troisième niveau</a:t>
             </a:r>
           </a:p>
           <a:p>
             <a:pPr lvl="3" eaLnBrk="1" latinLnBrk="0" hangingPunct="1"/>
             <a:r>
-              <a:rPr lang="fr-FR" smtClean="0"/>
+              <a:rPr lang="fr-FR"/>
               <a:t>Quatrième niveau</a:t>
             </a:r>
           </a:p>
           <a:p>
             <a:pPr lvl="4" eaLnBrk="1" latinLnBrk="0" hangingPunct="1"/>
             <a:r>
-              <a:rPr lang="fr-FR" smtClean="0"/>
+              <a:rPr lang="fr-FR"/>
               <a:t>Cinquième niveau</a:t>
             </a:r>
             <a:endParaRPr/>
@@ -2154,41 +2123,39 @@
         </p:spPr>
         <p:txBody>
           <a:bodyPr/>
-          <a:lstStyle>
-            <a:extLst/>
-          </a:lstStyle>
+          <a:lstStyle/>
           <a:p>
             <a:pPr lvl="0" eaLnBrk="1" latinLnBrk="0" hangingPunct="1"/>
             <a:r>
-              <a:rPr lang="fr-FR" smtClean="0"/>
+              <a:rPr lang="fr-FR"/>
               <a:t>Modifiez les styles du texte du masque</a:t>
             </a:r>
           </a:p>
           <a:p>
             <a:pPr lvl="1" eaLnBrk="1" latinLnBrk="0" hangingPunct="1"/>
             <a:r>
-              <a:rPr lang="fr-FR" smtClean="0"/>
+              <a:rPr lang="fr-FR"/>
               <a:t>Deuxième niveau</a:t>
             </a:r>
           </a:p>
           <a:p>
             <a:pPr lvl="2" eaLnBrk="1" latinLnBrk="0" hangingPunct="1"/>
             <a:r>
-              <a:rPr lang="fr-FR" smtClean="0"/>
+              <a:rPr lang="fr-FR"/>
               <a:t>Troisième niveau</a:t>
             </a:r>
           </a:p>
           <a:p>
             <a:pPr lvl="3" eaLnBrk="1" latinLnBrk="0" hangingPunct="1"/>
             <a:r>
-              <a:rPr lang="fr-FR" smtClean="0"/>
+              <a:rPr lang="fr-FR"/>
               <a:t>Quatrième niveau</a:t>
             </a:r>
           </a:p>
           <a:p>
             <a:pPr lvl="4" eaLnBrk="1" latinLnBrk="0" hangingPunct="1"/>
             <a:r>
-              <a:rPr lang="fr-FR" smtClean="0"/>
+              <a:rPr lang="fr-FR"/>
               <a:t>Cinquième niveau</a:t>
             </a:r>
             <a:endParaRPr/>
@@ -2208,13 +2175,11 @@
         <p:spPr/>
         <p:txBody>
           <a:bodyPr/>
-          <a:lstStyle>
-            <a:extLst/>
-          </a:lstStyle>
+          <a:lstStyle/>
           <a:p>
             <a:pPr algn="r"/>
             <a:r>
-              <a:rPr lang="fr-FR" smtClean="0"/>
+              <a:rPr lang="fr-FR"/>
               <a:t>28/6/2006</a:t>
             </a:r>
             <a:endParaRPr kumimoji="0" lang="fr-FR"/>
@@ -2234,9 +2199,7 @@
         <p:spPr/>
         <p:txBody>
           <a:bodyPr/>
-          <a:lstStyle>
-            <a:extLst/>
-          </a:lstStyle>
+          <a:lstStyle/>
           <a:p>
             <a:pPr algn="r"/>
             <a:fld id="{256D3EEF-DE4E-429D-8EC4-DDC531AFF587}" type="slidenum">
@@ -2261,9 +2224,7 @@
         <p:spPr/>
         <p:txBody>
           <a:bodyPr/>
-          <a:lstStyle>
-            <a:extLst/>
-          </a:lstStyle>
+          <a:lstStyle/>
           <a:p>
             <a:endParaRPr kumimoji="0" lang="fr-FR"/>
           </a:p>
@@ -2315,13 +2276,11 @@
         </p:spPr>
         <p:txBody>
           <a:bodyPr/>
-          <a:lstStyle>
-            <a:extLst/>
-          </a:lstStyle>
+          <a:lstStyle/>
           <a:p>
             <a:pPr eaLnBrk="1" latinLnBrk="0" hangingPunct="1"/>
             <a:r>
-              <a:rPr lang="fr-FR" smtClean="0"/>
+              <a:rPr lang="fr-FR"/>
               <a:t>Modifiez le style du titre</a:t>
             </a:r>
             <a:endParaRPr/>
@@ -2388,41 +2347,39 @@
         </p:spPr>
         <p:txBody>
           <a:bodyPr/>
-          <a:lstStyle>
-            <a:extLst/>
-          </a:lstStyle>
+          <a:lstStyle/>
           <a:p>
             <a:pPr lvl="0" eaLnBrk="1" latinLnBrk="0" hangingPunct="1"/>
             <a:r>
-              <a:rPr lang="fr-FR" smtClean="0"/>
+              <a:rPr lang="fr-FR"/>
               <a:t>Modifiez les styles du texte du masque</a:t>
             </a:r>
           </a:p>
           <a:p>
             <a:pPr lvl="1" eaLnBrk="1" latinLnBrk="0" hangingPunct="1"/>
             <a:r>
-              <a:rPr lang="fr-FR" smtClean="0"/>
+              <a:rPr lang="fr-FR"/>
               <a:t>Deuxième niveau</a:t>
             </a:r>
           </a:p>
           <a:p>
             <a:pPr lvl="2" eaLnBrk="1" latinLnBrk="0" hangingPunct="1"/>
             <a:r>
-              <a:rPr lang="fr-FR" smtClean="0"/>
+              <a:rPr lang="fr-FR"/>
               <a:t>Troisième niveau</a:t>
             </a:r>
           </a:p>
           <a:p>
             <a:pPr lvl="3" eaLnBrk="1" latinLnBrk="0" hangingPunct="1"/>
             <a:r>
-              <a:rPr lang="fr-FR" smtClean="0"/>
+              <a:rPr lang="fr-FR"/>
               <a:t>Quatrième niveau</a:t>
             </a:r>
           </a:p>
           <a:p>
             <a:pPr lvl="4" eaLnBrk="1" latinLnBrk="0" hangingPunct="1"/>
             <a:r>
-              <a:rPr lang="fr-FR" smtClean="0"/>
+              <a:rPr lang="fr-FR"/>
               <a:t>Cinquième niveau</a:t>
             </a:r>
             <a:endParaRPr/>
@@ -2489,41 +2446,39 @@
         </p:spPr>
         <p:txBody>
           <a:bodyPr/>
-          <a:lstStyle>
-            <a:extLst/>
-          </a:lstStyle>
+          <a:lstStyle/>
           <a:p>
             <a:pPr lvl="0" eaLnBrk="1" latinLnBrk="0" hangingPunct="1"/>
             <a:r>
-              <a:rPr lang="fr-FR" smtClean="0"/>
+              <a:rPr lang="fr-FR"/>
               <a:t>Modifiez les styles du texte du masque</a:t>
             </a:r>
           </a:p>
           <a:p>
             <a:pPr lvl="1" eaLnBrk="1" latinLnBrk="0" hangingPunct="1"/>
             <a:r>
-              <a:rPr lang="fr-FR" smtClean="0"/>
+              <a:rPr lang="fr-FR"/>
               <a:t>Deuxième niveau</a:t>
             </a:r>
           </a:p>
           <a:p>
             <a:pPr lvl="2" eaLnBrk="1" latinLnBrk="0" hangingPunct="1"/>
             <a:r>
-              <a:rPr lang="fr-FR" smtClean="0"/>
+              <a:rPr lang="fr-FR"/>
               <a:t>Troisième niveau</a:t>
             </a:r>
           </a:p>
           <a:p>
             <a:pPr lvl="3" eaLnBrk="1" latinLnBrk="0" hangingPunct="1"/>
             <a:r>
-              <a:rPr lang="fr-FR" smtClean="0"/>
+              <a:rPr lang="fr-FR"/>
               <a:t>Quatrième niveau</a:t>
             </a:r>
           </a:p>
           <a:p>
             <a:pPr lvl="4" eaLnBrk="1" latinLnBrk="0" hangingPunct="1"/>
             <a:r>
-              <a:rPr lang="fr-FR" smtClean="0"/>
+              <a:rPr lang="fr-FR"/>
               <a:t>Cinquième niveau</a:t>
             </a:r>
             <a:endParaRPr/>
@@ -2590,41 +2545,39 @@
         </p:spPr>
         <p:txBody>
           <a:bodyPr/>
-          <a:lstStyle>
-            <a:extLst/>
-          </a:lstStyle>
+          <a:lstStyle/>
           <a:p>
             <a:pPr lvl="0" eaLnBrk="1" latinLnBrk="0" hangingPunct="1"/>
             <a:r>
-              <a:rPr lang="fr-FR" smtClean="0"/>
+              <a:rPr lang="fr-FR"/>
               <a:t>Modifiez les styles du texte du masque</a:t>
             </a:r>
           </a:p>
           <a:p>
             <a:pPr lvl="1" eaLnBrk="1" latinLnBrk="0" hangingPunct="1"/>
             <a:r>
-              <a:rPr lang="fr-FR" smtClean="0"/>
+              <a:rPr lang="fr-FR"/>
               <a:t>Deuxième niveau</a:t>
             </a:r>
           </a:p>
           <a:p>
             <a:pPr lvl="2" eaLnBrk="1" latinLnBrk="0" hangingPunct="1"/>
             <a:r>
-              <a:rPr lang="fr-FR" smtClean="0"/>
+              <a:rPr lang="fr-FR"/>
               <a:t>Troisième niveau</a:t>
             </a:r>
           </a:p>
           <a:p>
             <a:pPr lvl="3" eaLnBrk="1" latinLnBrk="0" hangingPunct="1"/>
             <a:r>
-              <a:rPr lang="fr-FR" smtClean="0"/>
+              <a:rPr lang="fr-FR"/>
               <a:t>Quatrième niveau</a:t>
             </a:r>
           </a:p>
           <a:p>
             <a:pPr lvl="4" eaLnBrk="1" latinLnBrk="0" hangingPunct="1"/>
             <a:r>
-              <a:rPr lang="fr-FR" smtClean="0"/>
+              <a:rPr lang="fr-FR"/>
               <a:t>Cinquième niveau</a:t>
             </a:r>
             <a:endParaRPr/>
@@ -2691,41 +2644,39 @@
         </p:spPr>
         <p:txBody>
           <a:bodyPr/>
-          <a:lstStyle>
-            <a:extLst/>
-          </a:lstStyle>
+          <a:lstStyle/>
           <a:p>
             <a:pPr lvl="0" eaLnBrk="1" latinLnBrk="0" hangingPunct="1"/>
             <a:r>
-              <a:rPr lang="fr-FR" smtClean="0"/>
+              <a:rPr lang="fr-FR"/>
               <a:t>Modifiez les styles du texte du masque</a:t>
             </a:r>
           </a:p>
           <a:p>
             <a:pPr lvl="1" eaLnBrk="1" latinLnBrk="0" hangingPunct="1"/>
             <a:r>
-              <a:rPr lang="fr-FR" smtClean="0"/>
+              <a:rPr lang="fr-FR"/>
               <a:t>Deuxième niveau</a:t>
             </a:r>
           </a:p>
           <a:p>
             <a:pPr lvl="2" eaLnBrk="1" latinLnBrk="0" hangingPunct="1"/>
             <a:r>
-              <a:rPr lang="fr-FR" smtClean="0"/>
+              <a:rPr lang="fr-FR"/>
               <a:t>Troisième niveau</a:t>
             </a:r>
           </a:p>
           <a:p>
             <a:pPr lvl="3" eaLnBrk="1" latinLnBrk="0" hangingPunct="1"/>
             <a:r>
-              <a:rPr lang="fr-FR" smtClean="0"/>
+              <a:rPr lang="fr-FR"/>
               <a:t>Quatrième niveau</a:t>
             </a:r>
           </a:p>
           <a:p>
             <a:pPr lvl="4" eaLnBrk="1" latinLnBrk="0" hangingPunct="1"/>
             <a:r>
-              <a:rPr lang="fr-FR" smtClean="0"/>
+              <a:rPr lang="fr-FR"/>
               <a:t>Cinquième niveau</a:t>
             </a:r>
             <a:endParaRPr/>
@@ -2745,13 +2696,11 @@
         <p:spPr/>
         <p:txBody>
           <a:bodyPr/>
-          <a:lstStyle>
-            <a:extLst/>
-          </a:lstStyle>
+          <a:lstStyle/>
           <a:p>
             <a:pPr algn="r"/>
             <a:r>
-              <a:rPr lang="fr-FR" smtClean="0"/>
+              <a:rPr lang="fr-FR"/>
               <a:t>28/6/2006</a:t>
             </a:r>
             <a:endParaRPr kumimoji="0" lang="fr-FR"/>
@@ -2771,9 +2720,7 @@
         <p:spPr/>
         <p:txBody>
           <a:bodyPr/>
-          <a:lstStyle>
-            <a:extLst/>
-          </a:lstStyle>
+          <a:lstStyle/>
           <a:p>
             <a:pPr algn="r"/>
             <a:fld id="{256D3EEF-DE4E-429D-8EC4-DDC531AFF587}" type="slidenum">
@@ -2798,9 +2745,7 @@
         <p:spPr/>
         <p:txBody>
           <a:bodyPr/>
-          <a:lstStyle>
-            <a:extLst/>
-          </a:lstStyle>
+          <a:lstStyle/>
           <a:p>
             <a:endParaRPr kumimoji="0" lang="fr-FR"/>
           </a:p>
@@ -2852,13 +2797,11 @@
         </p:spPr>
         <p:txBody>
           <a:bodyPr/>
-          <a:lstStyle>
-            <a:extLst/>
-          </a:lstStyle>
+          <a:lstStyle/>
           <a:p>
             <a:pPr eaLnBrk="1" latinLnBrk="0" hangingPunct="1"/>
             <a:r>
-              <a:rPr lang="fr-FR" smtClean="0"/>
+              <a:rPr lang="fr-FR"/>
               <a:t>Modifiez le style du titre</a:t>
             </a:r>
             <a:endParaRPr/>
@@ -2925,41 +2868,39 @@
         </p:spPr>
         <p:txBody>
           <a:bodyPr/>
-          <a:lstStyle>
-            <a:extLst/>
-          </a:lstStyle>
+          <a:lstStyle/>
           <a:p>
             <a:pPr lvl="0" eaLnBrk="1" latinLnBrk="0" hangingPunct="1"/>
             <a:r>
-              <a:rPr lang="fr-FR" smtClean="0"/>
+              <a:rPr lang="fr-FR"/>
               <a:t>Modifiez les styles du texte du masque</a:t>
             </a:r>
           </a:p>
           <a:p>
             <a:pPr lvl="1" eaLnBrk="1" latinLnBrk="0" hangingPunct="1"/>
             <a:r>
-              <a:rPr lang="fr-FR" smtClean="0"/>
+              <a:rPr lang="fr-FR"/>
               <a:t>Deuxième niveau</a:t>
             </a:r>
           </a:p>
           <a:p>
             <a:pPr lvl="2" eaLnBrk="1" latinLnBrk="0" hangingPunct="1"/>
             <a:r>
-              <a:rPr lang="fr-FR" smtClean="0"/>
+              <a:rPr lang="fr-FR"/>
               <a:t>Troisième niveau</a:t>
             </a:r>
           </a:p>
           <a:p>
             <a:pPr lvl="3" eaLnBrk="1" latinLnBrk="0" hangingPunct="1"/>
             <a:r>
-              <a:rPr lang="fr-FR" smtClean="0"/>
+              <a:rPr lang="fr-FR"/>
               <a:t>Quatrième niveau</a:t>
             </a:r>
           </a:p>
           <a:p>
             <a:pPr lvl="4" eaLnBrk="1" latinLnBrk="0" hangingPunct="1"/>
             <a:r>
-              <a:rPr lang="fr-FR" smtClean="0"/>
+              <a:rPr lang="fr-FR"/>
               <a:t>Cinquième niveau</a:t>
             </a:r>
             <a:endParaRPr/>
@@ -3026,41 +2967,39 @@
         </p:spPr>
         <p:txBody>
           <a:bodyPr/>
-          <a:lstStyle>
-            <a:extLst/>
-          </a:lstStyle>
+          <a:lstStyle/>
           <a:p>
             <a:pPr lvl="0" eaLnBrk="1" latinLnBrk="0" hangingPunct="1"/>
             <a:r>
-              <a:rPr lang="fr-FR" smtClean="0"/>
+              <a:rPr lang="fr-FR"/>
               <a:t>Modifiez les styles du texte du masque</a:t>
             </a:r>
           </a:p>
           <a:p>
             <a:pPr lvl="1" eaLnBrk="1" latinLnBrk="0" hangingPunct="1"/>
             <a:r>
-              <a:rPr lang="fr-FR" smtClean="0"/>
+              <a:rPr lang="fr-FR"/>
               <a:t>Deuxième niveau</a:t>
             </a:r>
           </a:p>
           <a:p>
             <a:pPr lvl="2" eaLnBrk="1" latinLnBrk="0" hangingPunct="1"/>
             <a:r>
-              <a:rPr lang="fr-FR" smtClean="0"/>
+              <a:rPr lang="fr-FR"/>
               <a:t>Troisième niveau</a:t>
             </a:r>
           </a:p>
           <a:p>
             <a:pPr lvl="3" eaLnBrk="1" latinLnBrk="0" hangingPunct="1"/>
             <a:r>
-              <a:rPr lang="fr-FR" smtClean="0"/>
+              <a:rPr lang="fr-FR"/>
               <a:t>Quatrième niveau</a:t>
             </a:r>
           </a:p>
           <a:p>
             <a:pPr lvl="4" eaLnBrk="1" latinLnBrk="0" hangingPunct="1"/>
             <a:r>
-              <a:rPr lang="fr-FR" smtClean="0"/>
+              <a:rPr lang="fr-FR"/>
               <a:t>Cinquième niveau</a:t>
             </a:r>
             <a:endParaRPr/>
@@ -3127,41 +3066,39 @@
         </p:spPr>
         <p:txBody>
           <a:bodyPr/>
-          <a:lstStyle>
-            <a:extLst/>
-          </a:lstStyle>
+          <a:lstStyle/>
           <a:p>
             <a:pPr lvl="0" eaLnBrk="1" latinLnBrk="0" hangingPunct="1"/>
             <a:r>
-              <a:rPr lang="fr-FR" smtClean="0"/>
+              <a:rPr lang="fr-FR"/>
               <a:t>Modifiez les styles du texte du masque</a:t>
             </a:r>
           </a:p>
           <a:p>
             <a:pPr lvl="1" eaLnBrk="1" latinLnBrk="0" hangingPunct="1"/>
             <a:r>
-              <a:rPr lang="fr-FR" smtClean="0"/>
+              <a:rPr lang="fr-FR"/>
               <a:t>Deuxième niveau</a:t>
             </a:r>
           </a:p>
           <a:p>
             <a:pPr lvl="2" eaLnBrk="1" latinLnBrk="0" hangingPunct="1"/>
             <a:r>
-              <a:rPr lang="fr-FR" smtClean="0"/>
+              <a:rPr lang="fr-FR"/>
               <a:t>Troisième niveau</a:t>
             </a:r>
           </a:p>
           <a:p>
             <a:pPr lvl="3" eaLnBrk="1" latinLnBrk="0" hangingPunct="1"/>
             <a:r>
-              <a:rPr lang="fr-FR" smtClean="0"/>
+              <a:rPr lang="fr-FR"/>
               <a:t>Quatrième niveau</a:t>
             </a:r>
           </a:p>
           <a:p>
             <a:pPr lvl="4" eaLnBrk="1" latinLnBrk="0" hangingPunct="1"/>
             <a:r>
-              <a:rPr lang="fr-FR" smtClean="0"/>
+              <a:rPr lang="fr-FR"/>
               <a:t>Cinquième niveau</a:t>
             </a:r>
             <a:endParaRPr/>
@@ -3228,41 +3165,39 @@
         </p:spPr>
         <p:txBody>
           <a:bodyPr/>
-          <a:lstStyle>
-            <a:extLst/>
-          </a:lstStyle>
+          <a:lstStyle/>
           <a:p>
             <a:pPr lvl="0" eaLnBrk="1" latinLnBrk="0" hangingPunct="1"/>
             <a:r>
-              <a:rPr lang="fr-FR" smtClean="0"/>
+              <a:rPr lang="fr-FR"/>
               <a:t>Modifiez les styles du texte du masque</a:t>
             </a:r>
           </a:p>
           <a:p>
             <a:pPr lvl="1" eaLnBrk="1" latinLnBrk="0" hangingPunct="1"/>
             <a:r>
-              <a:rPr lang="fr-FR" smtClean="0"/>
+              <a:rPr lang="fr-FR"/>
               <a:t>Deuxième niveau</a:t>
             </a:r>
           </a:p>
           <a:p>
             <a:pPr lvl="2" eaLnBrk="1" latinLnBrk="0" hangingPunct="1"/>
             <a:r>
-              <a:rPr lang="fr-FR" smtClean="0"/>
+              <a:rPr lang="fr-FR"/>
               <a:t>Troisième niveau</a:t>
             </a:r>
           </a:p>
           <a:p>
             <a:pPr lvl="3" eaLnBrk="1" latinLnBrk="0" hangingPunct="1"/>
             <a:r>
-              <a:rPr lang="fr-FR" smtClean="0"/>
+              <a:rPr lang="fr-FR"/>
               <a:t>Quatrième niveau</a:t>
             </a:r>
           </a:p>
           <a:p>
             <a:pPr lvl="4" eaLnBrk="1" latinLnBrk="0" hangingPunct="1"/>
             <a:r>
-              <a:rPr lang="fr-FR" smtClean="0"/>
+              <a:rPr lang="fr-FR"/>
               <a:t>Cinquième niveau</a:t>
             </a:r>
             <a:endParaRPr/>
@@ -3329,41 +3264,39 @@
         </p:spPr>
         <p:txBody>
           <a:bodyPr/>
-          <a:lstStyle>
-            <a:extLst/>
-          </a:lstStyle>
+          <a:lstStyle/>
           <a:p>
             <a:pPr lvl="0" eaLnBrk="1" latinLnBrk="0" hangingPunct="1"/>
             <a:r>
-              <a:rPr lang="fr-FR" smtClean="0"/>
+              <a:rPr lang="fr-FR"/>
               <a:t>Modifiez les styles du texte du masque</a:t>
             </a:r>
           </a:p>
           <a:p>
             <a:pPr lvl="1" eaLnBrk="1" latinLnBrk="0" hangingPunct="1"/>
             <a:r>
-              <a:rPr lang="fr-FR" smtClean="0"/>
+              <a:rPr lang="fr-FR"/>
               <a:t>Deuxième niveau</a:t>
             </a:r>
           </a:p>
           <a:p>
             <a:pPr lvl="2" eaLnBrk="1" latinLnBrk="0" hangingPunct="1"/>
             <a:r>
-              <a:rPr lang="fr-FR" smtClean="0"/>
+              <a:rPr lang="fr-FR"/>
               <a:t>Troisième niveau</a:t>
             </a:r>
           </a:p>
           <a:p>
             <a:pPr lvl="3" eaLnBrk="1" latinLnBrk="0" hangingPunct="1"/>
             <a:r>
-              <a:rPr lang="fr-FR" smtClean="0"/>
+              <a:rPr lang="fr-FR"/>
               <a:t>Quatrième niveau</a:t>
             </a:r>
           </a:p>
           <a:p>
             <a:pPr lvl="4" eaLnBrk="1" latinLnBrk="0" hangingPunct="1"/>
             <a:r>
-              <a:rPr lang="fr-FR" smtClean="0"/>
+              <a:rPr lang="fr-FR"/>
               <a:t>Cinquième niveau</a:t>
             </a:r>
             <a:endParaRPr/>
@@ -3383,13 +3316,11 @@
         <p:spPr/>
         <p:txBody>
           <a:bodyPr/>
-          <a:lstStyle>
-            <a:extLst/>
-          </a:lstStyle>
+          <a:lstStyle/>
           <a:p>
             <a:pPr algn="r"/>
             <a:r>
-              <a:rPr lang="fr-FR" smtClean="0"/>
+              <a:rPr lang="fr-FR"/>
               <a:t>28/6/2006</a:t>
             </a:r>
             <a:endParaRPr kumimoji="0" lang="fr-FR"/>
@@ -3409,9 +3340,7 @@
         <p:spPr/>
         <p:txBody>
           <a:bodyPr/>
-          <a:lstStyle>
-            <a:extLst/>
-          </a:lstStyle>
+          <a:lstStyle/>
           <a:p>
             <a:pPr algn="r"/>
             <a:fld id="{256D3EEF-DE4E-429D-8EC4-DDC531AFF587}" type="slidenum">
@@ -3436,9 +3365,7 @@
         <p:spPr/>
         <p:txBody>
           <a:bodyPr/>
-          <a:lstStyle>
-            <a:extLst/>
-          </a:lstStyle>
+          <a:lstStyle/>
           <a:p>
             <a:endParaRPr kumimoji="0" lang="fr-FR"/>
           </a:p>
@@ -3490,13 +3417,11 @@
         </p:spPr>
         <p:txBody>
           <a:bodyPr/>
-          <a:lstStyle>
-            <a:extLst/>
-          </a:lstStyle>
+          <a:lstStyle/>
           <a:p>
             <a:pPr eaLnBrk="1" latinLnBrk="0" hangingPunct="1"/>
             <a:r>
-              <a:rPr lang="fr-FR" smtClean="0"/>
+              <a:rPr lang="fr-FR"/>
               <a:t>Modifiez le style du titre</a:t>
             </a:r>
             <a:endParaRPr/>
@@ -3563,41 +3488,39 @@
         </p:spPr>
         <p:txBody>
           <a:bodyPr/>
-          <a:lstStyle>
-            <a:extLst/>
-          </a:lstStyle>
+          <a:lstStyle/>
           <a:p>
             <a:pPr lvl="0" eaLnBrk="1" latinLnBrk="0" hangingPunct="1"/>
             <a:r>
-              <a:rPr lang="fr-FR" smtClean="0"/>
+              <a:rPr lang="fr-FR"/>
               <a:t>Modifiez les styles du texte du masque</a:t>
             </a:r>
           </a:p>
           <a:p>
             <a:pPr lvl="1" eaLnBrk="1" latinLnBrk="0" hangingPunct="1"/>
             <a:r>
-              <a:rPr lang="fr-FR" smtClean="0"/>
+              <a:rPr lang="fr-FR"/>
               <a:t>Deuxième niveau</a:t>
             </a:r>
           </a:p>
           <a:p>
             <a:pPr lvl="2" eaLnBrk="1" latinLnBrk="0" hangingPunct="1"/>
             <a:r>
-              <a:rPr lang="fr-FR" smtClean="0"/>
+              <a:rPr lang="fr-FR"/>
               <a:t>Troisième niveau</a:t>
             </a:r>
           </a:p>
           <a:p>
             <a:pPr lvl="3" eaLnBrk="1" latinLnBrk="0" hangingPunct="1"/>
             <a:r>
-              <a:rPr lang="fr-FR" smtClean="0"/>
+              <a:rPr lang="fr-FR"/>
               <a:t>Quatrième niveau</a:t>
             </a:r>
           </a:p>
           <a:p>
             <a:pPr lvl="4" eaLnBrk="1" latinLnBrk="0" hangingPunct="1"/>
             <a:r>
-              <a:rPr lang="fr-FR" smtClean="0"/>
+              <a:rPr lang="fr-FR"/>
               <a:t>Cinquième niveau</a:t>
             </a:r>
             <a:endParaRPr/>
@@ -3664,41 +3587,39 @@
         </p:spPr>
         <p:txBody>
           <a:bodyPr/>
-          <a:lstStyle>
-            <a:extLst/>
-          </a:lstStyle>
+          <a:lstStyle/>
           <a:p>
             <a:pPr lvl="0" eaLnBrk="1" latinLnBrk="0" hangingPunct="1"/>
             <a:r>
-              <a:rPr lang="fr-FR" smtClean="0"/>
+              <a:rPr lang="fr-FR"/>
               <a:t>Modifiez les styles du texte du masque</a:t>
             </a:r>
           </a:p>
           <a:p>
             <a:pPr lvl="1" eaLnBrk="1" latinLnBrk="0" hangingPunct="1"/>
             <a:r>
-              <a:rPr lang="fr-FR" smtClean="0"/>
+              <a:rPr lang="fr-FR"/>
               <a:t>Deuxième niveau</a:t>
             </a:r>
           </a:p>
           <a:p>
             <a:pPr lvl="2" eaLnBrk="1" latinLnBrk="0" hangingPunct="1"/>
             <a:r>
-              <a:rPr lang="fr-FR" smtClean="0"/>
+              <a:rPr lang="fr-FR"/>
               <a:t>Troisième niveau</a:t>
             </a:r>
           </a:p>
           <a:p>
             <a:pPr lvl="3" eaLnBrk="1" latinLnBrk="0" hangingPunct="1"/>
             <a:r>
-              <a:rPr lang="fr-FR" smtClean="0"/>
+              <a:rPr lang="fr-FR"/>
               <a:t>Quatrième niveau</a:t>
             </a:r>
           </a:p>
           <a:p>
             <a:pPr lvl="4" eaLnBrk="1" latinLnBrk="0" hangingPunct="1"/>
             <a:r>
-              <a:rPr lang="fr-FR" smtClean="0"/>
+              <a:rPr lang="fr-FR"/>
               <a:t>Cinquième niveau</a:t>
             </a:r>
             <a:endParaRPr/>
@@ -3765,41 +3686,39 @@
         </p:spPr>
         <p:txBody>
           <a:bodyPr/>
-          <a:lstStyle>
-            <a:extLst/>
-          </a:lstStyle>
+          <a:lstStyle/>
           <a:p>
             <a:pPr lvl="0" eaLnBrk="1" latinLnBrk="0" hangingPunct="1"/>
             <a:r>
-              <a:rPr lang="fr-FR" smtClean="0"/>
+              <a:rPr lang="fr-FR"/>
               <a:t>Modifiez les styles du texte du masque</a:t>
             </a:r>
           </a:p>
           <a:p>
             <a:pPr lvl="1" eaLnBrk="1" latinLnBrk="0" hangingPunct="1"/>
             <a:r>
-              <a:rPr lang="fr-FR" smtClean="0"/>
+              <a:rPr lang="fr-FR"/>
               <a:t>Deuxième niveau</a:t>
             </a:r>
           </a:p>
           <a:p>
             <a:pPr lvl="2" eaLnBrk="1" latinLnBrk="0" hangingPunct="1"/>
             <a:r>
-              <a:rPr lang="fr-FR" smtClean="0"/>
+              <a:rPr lang="fr-FR"/>
               <a:t>Troisième niveau</a:t>
             </a:r>
           </a:p>
           <a:p>
             <a:pPr lvl="3" eaLnBrk="1" latinLnBrk="0" hangingPunct="1"/>
             <a:r>
-              <a:rPr lang="fr-FR" smtClean="0"/>
+              <a:rPr lang="fr-FR"/>
               <a:t>Quatrième niveau</a:t>
             </a:r>
           </a:p>
           <a:p>
             <a:pPr lvl="4" eaLnBrk="1" latinLnBrk="0" hangingPunct="1"/>
             <a:r>
-              <a:rPr lang="fr-FR" smtClean="0"/>
+              <a:rPr lang="fr-FR"/>
               <a:t>Cinquième niveau</a:t>
             </a:r>
             <a:endParaRPr/>
@@ -3866,41 +3785,39 @@
         </p:spPr>
         <p:txBody>
           <a:bodyPr/>
-          <a:lstStyle>
-            <a:extLst/>
-          </a:lstStyle>
+          <a:lstStyle/>
           <a:p>
             <a:pPr lvl="0" eaLnBrk="1" latinLnBrk="0" hangingPunct="1"/>
             <a:r>
-              <a:rPr lang="fr-FR" smtClean="0"/>
+              <a:rPr lang="fr-FR"/>
               <a:t>Modifiez les styles du texte du masque</a:t>
             </a:r>
           </a:p>
           <a:p>
             <a:pPr lvl="1" eaLnBrk="1" latinLnBrk="0" hangingPunct="1"/>
             <a:r>
-              <a:rPr lang="fr-FR" smtClean="0"/>
+              <a:rPr lang="fr-FR"/>
               <a:t>Deuxième niveau</a:t>
             </a:r>
           </a:p>
           <a:p>
             <a:pPr lvl="2" eaLnBrk="1" latinLnBrk="0" hangingPunct="1"/>
             <a:r>
-              <a:rPr lang="fr-FR" smtClean="0"/>
+              <a:rPr lang="fr-FR"/>
               <a:t>Troisième niveau</a:t>
             </a:r>
           </a:p>
           <a:p>
             <a:pPr lvl="3" eaLnBrk="1" latinLnBrk="0" hangingPunct="1"/>
             <a:r>
-              <a:rPr lang="fr-FR" smtClean="0"/>
+              <a:rPr lang="fr-FR"/>
               <a:t>Quatrième niveau</a:t>
             </a:r>
           </a:p>
           <a:p>
             <a:pPr lvl="4" eaLnBrk="1" latinLnBrk="0" hangingPunct="1"/>
             <a:r>
-              <a:rPr lang="fr-FR" smtClean="0"/>
+              <a:rPr lang="fr-FR"/>
               <a:t>Cinquième niveau</a:t>
             </a:r>
             <a:endParaRPr/>
@@ -3967,41 +3884,39 @@
         </p:spPr>
         <p:txBody>
           <a:bodyPr/>
-          <a:lstStyle>
-            <a:extLst/>
-          </a:lstStyle>
+          <a:lstStyle/>
           <a:p>
             <a:pPr lvl="0" eaLnBrk="1" latinLnBrk="0" hangingPunct="1"/>
             <a:r>
-              <a:rPr lang="fr-FR" smtClean="0"/>
+              <a:rPr lang="fr-FR"/>
               <a:t>Modifiez les styles du texte du masque</a:t>
             </a:r>
           </a:p>
           <a:p>
             <a:pPr lvl="1" eaLnBrk="1" latinLnBrk="0" hangingPunct="1"/>
             <a:r>
-              <a:rPr lang="fr-FR" smtClean="0"/>
+              <a:rPr lang="fr-FR"/>
               <a:t>Deuxième niveau</a:t>
             </a:r>
           </a:p>
           <a:p>
             <a:pPr lvl="2" eaLnBrk="1" latinLnBrk="0" hangingPunct="1"/>
             <a:r>
-              <a:rPr lang="fr-FR" smtClean="0"/>
+              <a:rPr lang="fr-FR"/>
               <a:t>Troisième niveau</a:t>
             </a:r>
           </a:p>
           <a:p>
             <a:pPr lvl="3" eaLnBrk="1" latinLnBrk="0" hangingPunct="1"/>
             <a:r>
-              <a:rPr lang="fr-FR" smtClean="0"/>
+              <a:rPr lang="fr-FR"/>
               <a:t>Quatrième niveau</a:t>
             </a:r>
           </a:p>
           <a:p>
             <a:pPr lvl="4" eaLnBrk="1" latinLnBrk="0" hangingPunct="1"/>
             <a:r>
-              <a:rPr lang="fr-FR" smtClean="0"/>
+              <a:rPr lang="fr-FR"/>
               <a:t>Cinquième niveau</a:t>
             </a:r>
             <a:endParaRPr/>
@@ -4021,13 +3936,11 @@
         <p:spPr/>
         <p:txBody>
           <a:bodyPr/>
-          <a:lstStyle>
-            <a:extLst/>
-          </a:lstStyle>
+          <a:lstStyle/>
           <a:p>
             <a:pPr algn="r"/>
             <a:r>
-              <a:rPr lang="fr-FR" smtClean="0"/>
+              <a:rPr lang="fr-FR"/>
               <a:t>28/6/2006</a:t>
             </a:r>
             <a:endParaRPr kumimoji="0" lang="fr-FR"/>
@@ -4047,9 +3960,7 @@
         <p:spPr/>
         <p:txBody>
           <a:bodyPr/>
-          <a:lstStyle>
-            <a:extLst/>
-          </a:lstStyle>
+          <a:lstStyle/>
           <a:p>
             <a:pPr algn="r"/>
             <a:fld id="{256D3EEF-DE4E-429D-8EC4-DDC531AFF587}" type="slidenum">
@@ -4074,9 +3985,7 @@
         <p:spPr/>
         <p:txBody>
           <a:bodyPr/>
-          <a:lstStyle>
-            <a:extLst/>
-          </a:lstStyle>
+          <a:lstStyle/>
           <a:p>
             <a:endParaRPr kumimoji="0" lang="fr-FR"/>
           </a:p>
@@ -4128,13 +4037,11 @@
         </p:spPr>
         <p:txBody>
           <a:bodyPr/>
-          <a:lstStyle>
-            <a:extLst/>
-          </a:lstStyle>
+          <a:lstStyle/>
           <a:p>
             <a:pPr eaLnBrk="1" latinLnBrk="0" hangingPunct="1"/>
             <a:r>
-              <a:rPr lang="fr-FR" smtClean="0"/>
+              <a:rPr lang="fr-FR"/>
               <a:t>Modifiez le style du titre</a:t>
             </a:r>
             <a:endParaRPr/>
@@ -4179,9 +4086,7 @@
         </p:style>
         <p:txBody>
           <a:bodyPr anchor="ctr"/>
-          <a:lstStyle>
-            <a:extLst/>
-          </a:lstStyle>
+          <a:lstStyle/>
           <a:p>
             <a:pPr algn="ctr"/>
             <a:endParaRPr kumimoji="0" lang="fr-FR"/>
@@ -4226,9 +4131,7 @@
         </p:style>
         <p:txBody>
           <a:bodyPr anchor="ctr"/>
-          <a:lstStyle>
-            <a:extLst/>
-          </a:lstStyle>
+          <a:lstStyle/>
           <a:p>
             <a:pPr algn="ctr"/>
             <a:endParaRPr kumimoji="0" lang="fr-FR"/>
@@ -4273,9 +4176,7 @@
         </p:style>
         <p:txBody>
           <a:bodyPr anchor="ctr"/>
-          <a:lstStyle>
-            <a:extLst/>
-          </a:lstStyle>
+          <a:lstStyle/>
           <a:p>
             <a:pPr algn="ctr"/>
             <a:endParaRPr kumimoji="0" lang="fr-FR"/>
@@ -4320,9 +4221,7 @@
         </p:style>
         <p:txBody>
           <a:bodyPr anchor="ctr"/>
-          <a:lstStyle>
-            <a:extLst/>
-          </a:lstStyle>
+          <a:lstStyle/>
           <a:p>
             <a:pPr algn="ctr"/>
             <a:endParaRPr kumimoji="0" lang="fr-FR"/>
@@ -4367,9 +4266,7 @@
         </p:style>
         <p:txBody>
           <a:bodyPr anchor="ctr"/>
-          <a:lstStyle>
-            <a:extLst/>
-          </a:lstStyle>
+          <a:lstStyle/>
           <a:p>
             <a:pPr algn="ctr"/>
             <a:endParaRPr kumimoji="0" lang="fr-FR"/>
@@ -4414,9 +4311,7 @@
         </p:style>
         <p:txBody>
           <a:bodyPr anchor="ctr"/>
-          <a:lstStyle>
-            <a:extLst/>
-          </a:lstStyle>
+          <a:lstStyle/>
           <a:p>
             <a:pPr algn="ctr"/>
             <a:endParaRPr kumimoji="0" lang="fr-FR"/>
@@ -4441,9 +4336,7 @@
         </p:spPr>
         <p:txBody>
           <a:bodyPr/>
-          <a:lstStyle>
-            <a:extLst/>
-          </a:lstStyle>
+          <a:lstStyle/>
           <a:p>
             <a:r>
               <a:rPr kumimoji="0" lang="fr-FR"/>
@@ -4475,9 +4368,7 @@
         </p:spPr>
         <p:txBody>
           <a:bodyPr/>
-          <a:lstStyle>
-            <a:extLst/>
-          </a:lstStyle>
+          <a:lstStyle/>
           <a:p>
             <a:r>
               <a:rPr kumimoji="0" lang="fr-FR"/>
@@ -4509,9 +4400,7 @@
         </p:spPr>
         <p:txBody>
           <a:bodyPr/>
-          <a:lstStyle>
-            <a:extLst/>
-          </a:lstStyle>
+          <a:lstStyle/>
           <a:p>
             <a:r>
               <a:rPr kumimoji="0" lang="fr-FR"/>
@@ -4543,9 +4432,7 @@
         </p:spPr>
         <p:txBody>
           <a:bodyPr/>
-          <a:lstStyle>
-            <a:extLst/>
-          </a:lstStyle>
+          <a:lstStyle/>
           <a:p>
             <a:r>
               <a:rPr kumimoji="0" lang="fr-FR"/>
@@ -4577,9 +4464,7 @@
         </p:spPr>
         <p:txBody>
           <a:bodyPr/>
-          <a:lstStyle>
-            <a:extLst/>
-          </a:lstStyle>
+          <a:lstStyle/>
           <a:p>
             <a:r>
               <a:rPr kumimoji="0" lang="fr-FR"/>
@@ -4611,9 +4496,7 @@
         </p:spPr>
         <p:txBody>
           <a:bodyPr/>
-          <a:lstStyle>
-            <a:extLst/>
-          </a:lstStyle>
+          <a:lstStyle/>
           <a:p>
             <a:r>
               <a:rPr kumimoji="0" lang="fr-FR"/>
@@ -5260,7 +5143,7 @@
           <a:p>
             <a:pPr lvl="0" eaLnBrk="1" latinLnBrk="0" hangingPunct="1"/>
             <a:r>
-              <a:rPr lang="fr-FR" smtClean="0"/>
+              <a:rPr lang="fr-FR"/>
               <a:t>Modifiez les styles du texte du masque</a:t>
             </a:r>
           </a:p>
@@ -5279,13 +5162,11 @@
         <p:spPr/>
         <p:txBody>
           <a:bodyPr/>
-          <a:lstStyle>
-            <a:extLst/>
-          </a:lstStyle>
+          <a:lstStyle/>
           <a:p>
             <a:pPr algn="r"/>
             <a:r>
-              <a:rPr lang="fr-FR" smtClean="0"/>
+              <a:rPr lang="fr-FR"/>
               <a:t>28/6/2006</a:t>
             </a:r>
             <a:endParaRPr kumimoji="0" lang="fr-FR"/>
@@ -5305,9 +5186,7 @@
         <p:spPr/>
         <p:txBody>
           <a:bodyPr/>
-          <a:lstStyle>
-            <a:extLst/>
-          </a:lstStyle>
+          <a:lstStyle/>
           <a:p>
             <a:pPr algn="r"/>
             <a:fld id="{256D3EEF-DE4E-429D-8EC4-DDC531AFF587}" type="slidenum">
@@ -5332,9 +5211,7 @@
         <p:spPr/>
         <p:txBody>
           <a:bodyPr/>
-          <a:lstStyle>
-            <a:extLst/>
-          </a:lstStyle>
+          <a:lstStyle/>
           <a:p>
             <a:endParaRPr kumimoji="0" lang="fr-FR"/>
           </a:p>
@@ -5383,9 +5260,7 @@
         </p:spPr>
         <p:txBody>
           <a:bodyPr anchor="ctr"/>
-          <a:lstStyle>
-            <a:extLst/>
-          </a:lstStyle>
+          <a:lstStyle/>
           <a:p>
             <a:pPr algn="r"/>
             <a:fld id="{256D3EEF-DE4E-429D-8EC4-DDC531AFF587}" type="slidenum">
@@ -5410,9 +5285,7 @@
         <p:spPr/>
         <p:txBody>
           <a:bodyPr/>
-          <a:lstStyle>
-            <a:extLst/>
-          </a:lstStyle>
+          <a:lstStyle/>
           <a:p>
             <a:endParaRPr kumimoji="0" lang="fr-FR"/>
           </a:p>
@@ -5456,9 +5329,7 @@
         </p:style>
         <p:txBody>
           <a:bodyPr anchor="ctr"/>
-          <a:lstStyle>
-            <a:extLst/>
-          </a:lstStyle>
+          <a:lstStyle/>
           <a:p>
             <a:pPr algn="ctr"/>
             <a:endParaRPr kumimoji="0" lang="fr-FR"/>
@@ -5495,7 +5366,7 @@
           </a:lstStyle>
           <a:p>
             <a:r>
-              <a:rPr lang="fr-FR" smtClean="0"/>
+              <a:rPr lang="fr-FR"/>
               <a:t>28/6/2006</a:t>
             </a:r>
             <a:endParaRPr kumimoji="0" lang="fr-FR"/>
@@ -5542,9 +5413,7 @@
         </p:style>
         <p:txBody>
           <a:bodyPr anchor="ctr"/>
-          <a:lstStyle>
-            <a:extLst/>
-          </a:lstStyle>
+          <a:lstStyle/>
           <a:p>
             <a:pPr algn="ctr"/>
             <a:endParaRPr kumimoji="0" lang="fr-FR"/>
@@ -5588,7 +5457,7 @@
           <a:p>
             <a:pPr eaLnBrk="1" latinLnBrk="0" hangingPunct="1"/>
             <a:r>
-              <a:rPr lang="fr-FR" dirty="0" smtClean="0"/>
+              <a:rPr lang="fr-FR" dirty="0"/>
               <a:t>Modifiez le style du titre</a:t>
             </a:r>
             <a:endParaRPr dirty="0"/>
@@ -5633,9 +5502,7 @@
         </p:style>
         <p:txBody>
           <a:bodyPr anchor="ctr"/>
-          <a:lstStyle>
-            <a:extLst/>
-          </a:lstStyle>
+          <a:lstStyle/>
           <a:p>
             <a:pPr algn="ctr"/>
             <a:endParaRPr kumimoji="0" lang="fr-FR"/>
@@ -5747,13 +5614,6 @@
   <p:clrMapOvr>
     <a:masterClrMapping/>
   </p:clrMapOvr>
-  <p:timing>
-    <p:tnLst>
-      <p:par>
-        <p:cTn id="1" dur="indefinite" restart="never" nodeType="tmRoot"/>
-      </p:par>
-    </p:tnLst>
-  </p:timing>
 </p:sldLayout>
 </file>
 
@@ -6890,10 +6750,9 @@
           <a:p>
             <a:pPr algn="r"/>
             <a:r>
-              <a:rPr kumimoji="0" lang="fr-FR" sz="1100" smtClean="0"/>
+              <a:rPr kumimoji="0" lang="fr-FR" sz="1100"/>
               <a:t>28/6/2006</a:t>
             </a:r>
-            <a:endParaRPr kumimoji="0" lang="fr-FR" sz="1100"/>
           </a:p>
         </p:txBody>
       </p:sp>
@@ -6910,9 +6769,7 @@
         <p:spPr/>
         <p:txBody>
           <a:bodyPr/>
-          <a:lstStyle>
-            <a:extLst/>
-          </a:lstStyle>
+          <a:lstStyle/>
           <a:p>
             <a:pPr algn="r"/>
             <a:fld id="{256D3EEF-DE4E-429D-8EC4-DDC531AFF587}" type="slidenum">
@@ -6937,9 +6794,7 @@
         <p:spPr/>
         <p:txBody>
           <a:bodyPr/>
-          <a:lstStyle>
-            <a:extLst/>
-          </a:lstStyle>
+          <a:lstStyle/>
           <a:p>
             <a:endParaRPr kumimoji="0" lang="fr-FR"/>
           </a:p>
@@ -7011,9 +6866,7 @@
         </p:style>
         <p:txBody>
           <a:bodyPr anchor="ctr"/>
-          <a:lstStyle>
-            <a:extLst/>
-          </a:lstStyle>
+          <a:lstStyle/>
           <a:p>
             <a:pPr algn="ctr"/>
             <a:endParaRPr kumimoji="0" lang="fr-FR"/>
@@ -7054,10 +6907,9 @@
           </a:lstStyle>
           <a:p>
             <a:r>
-              <a:rPr kumimoji="0" lang="fr-FR" smtClean="0"/>
+              <a:rPr kumimoji="0" lang="fr-FR"/>
               <a:t>Modifiez le style du titre</a:t>
             </a:r>
-            <a:endParaRPr kumimoji="0" lang="fr-FR"/>
           </a:p>
         </p:txBody>
       </p:sp>
@@ -7091,7 +6943,7 @@
           </a:lstStyle>
           <a:p>
             <a:r>
-              <a:rPr lang="fr-FR" smtClean="0"/>
+              <a:rPr lang="fr-FR"/>
               <a:t>28/6/2006</a:t>
             </a:r>
             <a:endParaRPr kumimoji="0" lang="fr-FR"/>
@@ -7153,9 +7005,7 @@
         </p:spPr>
         <p:txBody>
           <a:bodyPr anchor="ctr"/>
-          <a:lstStyle>
-            <a:extLst/>
-          </a:lstStyle>
+          <a:lstStyle/>
           <a:p>
             <a:pPr algn="r"/>
             <a:fld id="{256D3EEF-DE4E-429D-8EC4-DDC531AFF587}" type="slidenum">
@@ -7238,9 +7088,7 @@
         </p:style>
         <p:txBody>
           <a:bodyPr anchor="ctr"/>
-          <a:lstStyle>
-            <a:extLst/>
-          </a:lstStyle>
+          <a:lstStyle/>
           <a:p>
             <a:pPr algn="ctr"/>
             <a:endParaRPr kumimoji="0" lang="fr-FR"/>
@@ -7285,13 +7133,11 @@
         <p:spPr/>
         <p:txBody>
           <a:bodyPr/>
-          <a:lstStyle>
-            <a:extLst/>
-          </a:lstStyle>
+          <a:lstStyle/>
           <a:p>
             <a:pPr algn="r"/>
             <a:r>
-              <a:rPr lang="fr-FR" smtClean="0"/>
+              <a:rPr lang="fr-FR"/>
               <a:t>28/6/2006</a:t>
             </a:r>
             <a:endParaRPr kumimoji="0" lang="fr-FR"/>
@@ -7340,9 +7186,7 @@
         <p:spPr/>
         <p:txBody>
           <a:bodyPr/>
-          <a:lstStyle>
-            <a:extLst/>
-          </a:lstStyle>
+          <a:lstStyle/>
           <a:p>
             <a:endParaRPr kumimoji="0" lang="fr-FR"/>
           </a:p>
@@ -7432,35 +7276,35 @@
           <a:p>
             <a:pPr lvl="0" eaLnBrk="1" latinLnBrk="0" hangingPunct="1"/>
             <a:r>
-              <a:rPr lang="fr-FR" dirty="0" smtClean="0"/>
+              <a:rPr lang="fr-FR" dirty="0"/>
               <a:t>Modifiez les styles du texte du masque</a:t>
             </a:r>
           </a:p>
           <a:p>
             <a:pPr lvl="1" eaLnBrk="1" latinLnBrk="0" hangingPunct="1"/>
             <a:r>
-              <a:rPr lang="fr-FR" dirty="0" smtClean="0"/>
+              <a:rPr lang="fr-FR" dirty="0"/>
               <a:t>Deuxième niveau</a:t>
             </a:r>
           </a:p>
           <a:p>
             <a:pPr lvl="2" eaLnBrk="1" latinLnBrk="0" hangingPunct="1"/>
             <a:r>
-              <a:rPr lang="fr-FR" dirty="0" smtClean="0"/>
+              <a:rPr lang="fr-FR" dirty="0"/>
               <a:t>Troisième niveau</a:t>
             </a:r>
           </a:p>
           <a:p>
             <a:pPr lvl="3" eaLnBrk="1" latinLnBrk="0" hangingPunct="1"/>
             <a:r>
-              <a:rPr lang="fr-FR" dirty="0" smtClean="0"/>
+              <a:rPr lang="fr-FR" dirty="0"/>
               <a:t>Quatrième niveau</a:t>
             </a:r>
           </a:p>
           <a:p>
             <a:pPr lvl="4" eaLnBrk="1" latinLnBrk="0" hangingPunct="1"/>
             <a:r>
-              <a:rPr lang="fr-FR" dirty="0" smtClean="0"/>
+              <a:rPr lang="fr-FR" dirty="0"/>
               <a:t>Cinquième niveau</a:t>
             </a:r>
             <a:endParaRPr dirty="0"/>
@@ -7480,13 +7324,11 @@
         <p:spPr/>
         <p:txBody>
           <a:bodyPr/>
-          <a:lstStyle>
-            <a:extLst/>
-          </a:lstStyle>
+          <a:lstStyle/>
           <a:p>
             <a:pPr algn="r"/>
             <a:r>
-              <a:rPr lang="fr-FR" smtClean="0"/>
+              <a:rPr lang="fr-FR"/>
               <a:t>28/6/2006</a:t>
             </a:r>
             <a:endParaRPr kumimoji="0" lang="fr-FR"/>
@@ -7544,9 +7386,7 @@
         <p:spPr/>
         <p:txBody>
           <a:bodyPr/>
-          <a:lstStyle>
-            <a:extLst/>
-          </a:lstStyle>
+          <a:lstStyle/>
           <a:p>
             <a:endParaRPr kumimoji="0" lang="fr-FR"/>
           </a:p>
@@ -7601,13 +7441,6 @@
   <p:clrMapOvr>
     <a:masterClrMapping/>
   </p:clrMapOvr>
-  <p:timing>
-    <p:tnLst>
-      <p:par>
-        <p:cTn id="1" dur="indefinite" restart="never" nodeType="tmRoot"/>
-      </p:par>
-    </p:tnLst>
-  </p:timing>
 </p:sldLayout>
 </file>
 
@@ -7688,41 +7521,39 @@
         </p:spPr>
         <p:txBody>
           <a:bodyPr/>
-          <a:lstStyle>
-            <a:extLst/>
-          </a:lstStyle>
+          <a:lstStyle/>
           <a:p>
             <a:pPr lvl="0" eaLnBrk="1" latinLnBrk="0" hangingPunct="1"/>
             <a:r>
-              <a:rPr lang="fr-FR" smtClean="0"/>
+              <a:rPr lang="fr-FR"/>
               <a:t>Modifiez les styles du texte du masque</a:t>
             </a:r>
           </a:p>
           <a:p>
             <a:pPr lvl="1" eaLnBrk="1" latinLnBrk="0" hangingPunct="1"/>
             <a:r>
-              <a:rPr lang="fr-FR" smtClean="0"/>
+              <a:rPr lang="fr-FR"/>
               <a:t>Deuxième niveau</a:t>
             </a:r>
           </a:p>
           <a:p>
             <a:pPr lvl="2" eaLnBrk="1" latinLnBrk="0" hangingPunct="1"/>
             <a:r>
-              <a:rPr lang="fr-FR" smtClean="0"/>
+              <a:rPr lang="fr-FR"/>
               <a:t>Troisième niveau</a:t>
             </a:r>
           </a:p>
           <a:p>
             <a:pPr lvl="3" eaLnBrk="1" latinLnBrk="0" hangingPunct="1"/>
             <a:r>
-              <a:rPr lang="fr-FR" smtClean="0"/>
+              <a:rPr lang="fr-FR"/>
               <a:t>Quatrième niveau</a:t>
             </a:r>
           </a:p>
           <a:p>
             <a:pPr lvl="4" eaLnBrk="1" latinLnBrk="0" hangingPunct="1"/>
             <a:r>
-              <a:rPr lang="fr-FR" smtClean="0"/>
+              <a:rPr lang="fr-FR"/>
               <a:t>Cinquième niveau</a:t>
             </a:r>
             <a:endParaRPr/>
@@ -7789,41 +7620,39 @@
         </p:spPr>
         <p:txBody>
           <a:bodyPr/>
-          <a:lstStyle>
-            <a:extLst/>
-          </a:lstStyle>
+          <a:lstStyle/>
           <a:p>
             <a:pPr lvl="0" eaLnBrk="1" latinLnBrk="0" hangingPunct="1"/>
             <a:r>
-              <a:rPr lang="fr-FR" smtClean="0"/>
+              <a:rPr lang="fr-FR"/>
               <a:t>Modifiez les styles du texte du masque</a:t>
             </a:r>
           </a:p>
           <a:p>
             <a:pPr lvl="1" eaLnBrk="1" latinLnBrk="0" hangingPunct="1"/>
             <a:r>
-              <a:rPr lang="fr-FR" smtClean="0"/>
+              <a:rPr lang="fr-FR"/>
               <a:t>Deuxième niveau</a:t>
             </a:r>
           </a:p>
           <a:p>
             <a:pPr lvl="2" eaLnBrk="1" latinLnBrk="0" hangingPunct="1"/>
             <a:r>
-              <a:rPr lang="fr-FR" smtClean="0"/>
+              <a:rPr lang="fr-FR"/>
               <a:t>Troisième niveau</a:t>
             </a:r>
           </a:p>
           <a:p>
             <a:pPr lvl="3" eaLnBrk="1" latinLnBrk="0" hangingPunct="1"/>
             <a:r>
-              <a:rPr lang="fr-FR" smtClean="0"/>
+              <a:rPr lang="fr-FR"/>
               <a:t>Quatrième niveau</a:t>
             </a:r>
           </a:p>
           <a:p>
             <a:pPr lvl="4" eaLnBrk="1" latinLnBrk="0" hangingPunct="1"/>
             <a:r>
-              <a:rPr lang="fr-FR" smtClean="0"/>
+              <a:rPr lang="fr-FR"/>
               <a:t>Cinquième niveau</a:t>
             </a:r>
             <a:endParaRPr/>
@@ -7843,13 +7672,11 @@
         <p:spPr/>
         <p:txBody>
           <a:bodyPr/>
-          <a:lstStyle>
-            <a:extLst/>
-          </a:lstStyle>
+          <a:lstStyle/>
           <a:p>
             <a:pPr algn="r"/>
             <a:r>
-              <a:rPr lang="fr-FR" smtClean="0"/>
+              <a:rPr lang="fr-FR"/>
               <a:t>28/6/2006</a:t>
             </a:r>
             <a:endParaRPr kumimoji="0" lang="fr-FR"/>
@@ -7902,9 +7729,7 @@
         <p:spPr/>
         <p:txBody>
           <a:bodyPr/>
-          <a:lstStyle>
-            <a:extLst/>
-          </a:lstStyle>
+          <a:lstStyle/>
           <a:p>
             <a:endParaRPr kumimoji="0" lang="fr-FR"/>
           </a:p>
@@ -7956,13 +7781,11 @@
         </p:spPr>
         <p:txBody>
           <a:bodyPr/>
-          <a:lstStyle>
-            <a:extLst/>
-          </a:lstStyle>
+          <a:lstStyle/>
           <a:p>
             <a:pPr eaLnBrk="1" latinLnBrk="0" hangingPunct="1"/>
             <a:r>
-              <a:rPr lang="fr-FR" smtClean="0"/>
+              <a:rPr lang="fr-FR"/>
               <a:t>Modifiez le style du titre</a:t>
             </a:r>
             <a:endParaRPr/>
@@ -8029,41 +7852,39 @@
         </p:spPr>
         <p:txBody>
           <a:bodyPr/>
-          <a:lstStyle>
-            <a:extLst/>
-          </a:lstStyle>
+          <a:lstStyle/>
           <a:p>
             <a:pPr lvl="0" eaLnBrk="1" latinLnBrk="0" hangingPunct="1"/>
             <a:r>
-              <a:rPr lang="fr-FR" smtClean="0"/>
+              <a:rPr lang="fr-FR"/>
               <a:t>Modifiez les styles du texte du masque</a:t>
             </a:r>
           </a:p>
           <a:p>
             <a:pPr lvl="1" eaLnBrk="1" latinLnBrk="0" hangingPunct="1"/>
             <a:r>
-              <a:rPr lang="fr-FR" smtClean="0"/>
+              <a:rPr lang="fr-FR"/>
               <a:t>Deuxième niveau</a:t>
             </a:r>
           </a:p>
           <a:p>
             <a:pPr lvl="2" eaLnBrk="1" latinLnBrk="0" hangingPunct="1"/>
             <a:r>
-              <a:rPr lang="fr-FR" smtClean="0"/>
+              <a:rPr lang="fr-FR"/>
               <a:t>Troisième niveau</a:t>
             </a:r>
           </a:p>
           <a:p>
             <a:pPr lvl="3" eaLnBrk="1" latinLnBrk="0" hangingPunct="1"/>
             <a:r>
-              <a:rPr lang="fr-FR" smtClean="0"/>
+              <a:rPr lang="fr-FR"/>
               <a:t>Quatrième niveau</a:t>
             </a:r>
           </a:p>
           <a:p>
             <a:pPr lvl="4" eaLnBrk="1" latinLnBrk="0" hangingPunct="1"/>
             <a:r>
-              <a:rPr lang="fr-FR" smtClean="0"/>
+              <a:rPr lang="fr-FR"/>
               <a:t>Cinquième niveau</a:t>
             </a:r>
             <a:endParaRPr/>
@@ -8130,41 +7951,39 @@
         </p:spPr>
         <p:txBody>
           <a:bodyPr/>
-          <a:lstStyle>
-            <a:extLst/>
-          </a:lstStyle>
+          <a:lstStyle/>
           <a:p>
             <a:pPr lvl="0" eaLnBrk="1" latinLnBrk="0" hangingPunct="1"/>
             <a:r>
-              <a:rPr lang="fr-FR" smtClean="0"/>
+              <a:rPr lang="fr-FR"/>
               <a:t>Modifiez les styles du texte du masque</a:t>
             </a:r>
           </a:p>
           <a:p>
             <a:pPr lvl="1" eaLnBrk="1" latinLnBrk="0" hangingPunct="1"/>
             <a:r>
-              <a:rPr lang="fr-FR" smtClean="0"/>
+              <a:rPr lang="fr-FR"/>
               <a:t>Deuxième niveau</a:t>
             </a:r>
           </a:p>
           <a:p>
             <a:pPr lvl="2" eaLnBrk="1" latinLnBrk="0" hangingPunct="1"/>
             <a:r>
-              <a:rPr lang="fr-FR" smtClean="0"/>
+              <a:rPr lang="fr-FR"/>
               <a:t>Troisième niveau</a:t>
             </a:r>
           </a:p>
           <a:p>
             <a:pPr lvl="3" eaLnBrk="1" latinLnBrk="0" hangingPunct="1"/>
             <a:r>
-              <a:rPr lang="fr-FR" smtClean="0"/>
+              <a:rPr lang="fr-FR"/>
               <a:t>Quatrième niveau</a:t>
             </a:r>
           </a:p>
           <a:p>
             <a:pPr lvl="4" eaLnBrk="1" latinLnBrk="0" hangingPunct="1"/>
             <a:r>
-              <a:rPr lang="fr-FR" smtClean="0"/>
+              <a:rPr lang="fr-FR"/>
               <a:t>Cinquième niveau</a:t>
             </a:r>
             <a:endParaRPr/>
@@ -8231,41 +8050,39 @@
         </p:spPr>
         <p:txBody>
           <a:bodyPr/>
-          <a:lstStyle>
-            <a:extLst/>
-          </a:lstStyle>
+          <a:lstStyle/>
           <a:p>
             <a:pPr lvl="0" eaLnBrk="1" latinLnBrk="0" hangingPunct="1"/>
             <a:r>
-              <a:rPr lang="fr-FR" smtClean="0"/>
+              <a:rPr lang="fr-FR"/>
               <a:t>Modifiez les styles du texte du masque</a:t>
             </a:r>
           </a:p>
           <a:p>
             <a:pPr lvl="1" eaLnBrk="1" latinLnBrk="0" hangingPunct="1"/>
             <a:r>
-              <a:rPr lang="fr-FR" smtClean="0"/>
+              <a:rPr lang="fr-FR"/>
               <a:t>Deuxième niveau</a:t>
             </a:r>
           </a:p>
           <a:p>
             <a:pPr lvl="2" eaLnBrk="1" latinLnBrk="0" hangingPunct="1"/>
             <a:r>
-              <a:rPr lang="fr-FR" smtClean="0"/>
+              <a:rPr lang="fr-FR"/>
               <a:t>Troisième niveau</a:t>
             </a:r>
           </a:p>
           <a:p>
             <a:pPr lvl="3" eaLnBrk="1" latinLnBrk="0" hangingPunct="1"/>
             <a:r>
-              <a:rPr lang="fr-FR" smtClean="0"/>
+              <a:rPr lang="fr-FR"/>
               <a:t>Quatrième niveau</a:t>
             </a:r>
           </a:p>
           <a:p>
             <a:pPr lvl="4" eaLnBrk="1" latinLnBrk="0" hangingPunct="1"/>
             <a:r>
-              <a:rPr lang="fr-FR" smtClean="0"/>
+              <a:rPr lang="fr-FR"/>
               <a:t>Cinquième niveau</a:t>
             </a:r>
             <a:endParaRPr/>
@@ -8285,13 +8102,11 @@
         <p:spPr/>
         <p:txBody>
           <a:bodyPr/>
-          <a:lstStyle>
-            <a:extLst/>
-          </a:lstStyle>
+          <a:lstStyle/>
           <a:p>
             <a:pPr algn="r"/>
             <a:r>
-              <a:rPr lang="fr-FR" smtClean="0"/>
+              <a:rPr lang="fr-FR"/>
               <a:t>28/6/2006</a:t>
             </a:r>
             <a:endParaRPr kumimoji="0" lang="fr-FR"/>
@@ -8311,9 +8126,7 @@
         <p:spPr/>
         <p:txBody>
           <a:bodyPr/>
-          <a:lstStyle>
-            <a:extLst/>
-          </a:lstStyle>
+          <a:lstStyle/>
           <a:p>
             <a:pPr algn="r"/>
             <a:fld id="{256D3EEF-DE4E-429D-8EC4-DDC531AFF587}" type="slidenum">
@@ -8338,9 +8151,7 @@
         <p:spPr/>
         <p:txBody>
           <a:bodyPr/>
-          <a:lstStyle>
-            <a:extLst/>
-          </a:lstStyle>
+          <a:lstStyle/>
           <a:p>
             <a:endParaRPr kumimoji="0" lang="fr-FR"/>
           </a:p>
@@ -8392,13 +8203,11 @@
         </p:spPr>
         <p:txBody>
           <a:bodyPr/>
-          <a:lstStyle>
-            <a:extLst/>
-          </a:lstStyle>
+          <a:lstStyle/>
           <a:p>
             <a:pPr eaLnBrk="1" latinLnBrk="0" hangingPunct="1"/>
             <a:r>
-              <a:rPr lang="fr-FR" smtClean="0"/>
+              <a:rPr lang="fr-FR"/>
               <a:t>Modifiez le style du titre</a:t>
             </a:r>
             <a:endParaRPr/>
@@ -8465,41 +8274,39 @@
         </p:spPr>
         <p:txBody>
           <a:bodyPr/>
-          <a:lstStyle>
-            <a:extLst/>
-          </a:lstStyle>
+          <a:lstStyle/>
           <a:p>
             <a:pPr lvl="0" eaLnBrk="1" latinLnBrk="0" hangingPunct="1"/>
             <a:r>
-              <a:rPr lang="fr-FR" smtClean="0"/>
+              <a:rPr lang="fr-FR"/>
               <a:t>Modifiez les styles du texte du masque</a:t>
             </a:r>
           </a:p>
           <a:p>
             <a:pPr lvl="1" eaLnBrk="1" latinLnBrk="0" hangingPunct="1"/>
             <a:r>
-              <a:rPr lang="fr-FR" smtClean="0"/>
+              <a:rPr lang="fr-FR"/>
               <a:t>Deuxième niveau</a:t>
             </a:r>
           </a:p>
           <a:p>
             <a:pPr lvl="2" eaLnBrk="1" latinLnBrk="0" hangingPunct="1"/>
             <a:r>
-              <a:rPr lang="fr-FR" smtClean="0"/>
+              <a:rPr lang="fr-FR"/>
               <a:t>Troisième niveau</a:t>
             </a:r>
           </a:p>
           <a:p>
             <a:pPr lvl="3" eaLnBrk="1" latinLnBrk="0" hangingPunct="1"/>
             <a:r>
-              <a:rPr lang="fr-FR" smtClean="0"/>
+              <a:rPr lang="fr-FR"/>
               <a:t>Quatrième niveau</a:t>
             </a:r>
           </a:p>
           <a:p>
             <a:pPr lvl="4" eaLnBrk="1" latinLnBrk="0" hangingPunct="1"/>
             <a:r>
-              <a:rPr lang="fr-FR" smtClean="0"/>
+              <a:rPr lang="fr-FR"/>
               <a:t>Cinquième niveau</a:t>
             </a:r>
             <a:endParaRPr/>
@@ -8566,41 +8373,39 @@
         </p:spPr>
         <p:txBody>
           <a:bodyPr/>
-          <a:lstStyle>
-            <a:extLst/>
-          </a:lstStyle>
+          <a:lstStyle/>
           <a:p>
             <a:pPr lvl="0" eaLnBrk="1" latinLnBrk="0" hangingPunct="1"/>
             <a:r>
-              <a:rPr lang="fr-FR" smtClean="0"/>
+              <a:rPr lang="fr-FR"/>
               <a:t>Modifiez les styles du texte du masque</a:t>
             </a:r>
           </a:p>
           <a:p>
             <a:pPr lvl="1" eaLnBrk="1" latinLnBrk="0" hangingPunct="1"/>
             <a:r>
-              <a:rPr lang="fr-FR" smtClean="0"/>
+              <a:rPr lang="fr-FR"/>
               <a:t>Deuxième niveau</a:t>
             </a:r>
           </a:p>
           <a:p>
             <a:pPr lvl="2" eaLnBrk="1" latinLnBrk="0" hangingPunct="1"/>
             <a:r>
-              <a:rPr lang="fr-FR" smtClean="0"/>
+              <a:rPr lang="fr-FR"/>
               <a:t>Troisième niveau</a:t>
             </a:r>
           </a:p>
           <a:p>
             <a:pPr lvl="3" eaLnBrk="1" latinLnBrk="0" hangingPunct="1"/>
             <a:r>
-              <a:rPr lang="fr-FR" smtClean="0"/>
+              <a:rPr lang="fr-FR"/>
               <a:t>Quatrième niveau</a:t>
             </a:r>
           </a:p>
           <a:p>
             <a:pPr lvl="4" eaLnBrk="1" latinLnBrk="0" hangingPunct="1"/>
             <a:r>
-              <a:rPr lang="fr-FR" smtClean="0"/>
+              <a:rPr lang="fr-FR"/>
               <a:t>Cinquième niveau</a:t>
             </a:r>
             <a:endParaRPr/>
@@ -8667,41 +8472,39 @@
         </p:spPr>
         <p:txBody>
           <a:bodyPr/>
-          <a:lstStyle>
-            <a:extLst/>
-          </a:lstStyle>
+          <a:lstStyle/>
           <a:p>
             <a:pPr lvl="0" eaLnBrk="1" latinLnBrk="0" hangingPunct="1"/>
             <a:r>
-              <a:rPr lang="fr-FR" smtClean="0"/>
+              <a:rPr lang="fr-FR"/>
               <a:t>Modifiez les styles du texte du masque</a:t>
             </a:r>
           </a:p>
           <a:p>
             <a:pPr lvl="1" eaLnBrk="1" latinLnBrk="0" hangingPunct="1"/>
             <a:r>
-              <a:rPr lang="fr-FR" smtClean="0"/>
+              <a:rPr lang="fr-FR"/>
               <a:t>Deuxième niveau</a:t>
             </a:r>
           </a:p>
           <a:p>
             <a:pPr lvl="2" eaLnBrk="1" latinLnBrk="0" hangingPunct="1"/>
             <a:r>
-              <a:rPr lang="fr-FR" smtClean="0"/>
+              <a:rPr lang="fr-FR"/>
               <a:t>Troisième niveau</a:t>
             </a:r>
           </a:p>
           <a:p>
             <a:pPr lvl="3" eaLnBrk="1" latinLnBrk="0" hangingPunct="1"/>
             <a:r>
-              <a:rPr lang="fr-FR" smtClean="0"/>
+              <a:rPr lang="fr-FR"/>
               <a:t>Quatrième niveau</a:t>
             </a:r>
           </a:p>
           <a:p>
             <a:pPr lvl="4" eaLnBrk="1" latinLnBrk="0" hangingPunct="1"/>
             <a:r>
-              <a:rPr lang="fr-FR" smtClean="0"/>
+              <a:rPr lang="fr-FR"/>
               <a:t>Cinquième niveau</a:t>
             </a:r>
             <a:endParaRPr/>
@@ -8721,13 +8524,11 @@
         <p:spPr/>
         <p:txBody>
           <a:bodyPr/>
-          <a:lstStyle>
-            <a:extLst/>
-          </a:lstStyle>
+          <a:lstStyle/>
           <a:p>
             <a:pPr algn="r"/>
             <a:r>
-              <a:rPr lang="fr-FR" smtClean="0"/>
+              <a:rPr lang="fr-FR"/>
               <a:t>28/6/2006</a:t>
             </a:r>
             <a:endParaRPr kumimoji="0" lang="fr-FR"/>
@@ -8747,9 +8548,7 @@
         <p:spPr/>
         <p:txBody>
           <a:bodyPr/>
-          <a:lstStyle>
-            <a:extLst/>
-          </a:lstStyle>
+          <a:lstStyle/>
           <a:p>
             <a:pPr algn="r"/>
             <a:fld id="{256D3EEF-DE4E-429D-8EC4-DDC531AFF587}" type="slidenum">
@@ -8774,9 +8573,7 @@
         <p:spPr/>
         <p:txBody>
           <a:bodyPr/>
-          <a:lstStyle>
-            <a:extLst/>
-          </a:lstStyle>
+          <a:lstStyle/>
           <a:p>
             <a:endParaRPr kumimoji="0" lang="fr-FR"/>
           </a:p>
@@ -8850,9 +8647,7 @@
         </p:style>
         <p:txBody>
           <a:bodyPr anchor="ctr"/>
-          <a:lstStyle>
-            <a:extLst/>
-          </a:lstStyle>
+          <a:lstStyle/>
           <a:p>
             <a:pPr algn="ctr"/>
             <a:endParaRPr kumimoji="0" lang="fr-FR"/>
@@ -8882,41 +8677,39 @@
           <a:bodyPr vert="horz">
             <a:normAutofit/>
           </a:bodyPr>
-          <a:lstStyle>
-            <a:extLst/>
-          </a:lstStyle>
+          <a:lstStyle/>
           <a:p>
             <a:pPr lvl="0" eaLnBrk="1" latinLnBrk="0" hangingPunct="1"/>
             <a:r>
-              <a:rPr kumimoji="0" lang="fr-FR" dirty="0" smtClean="0"/>
+              <a:rPr kumimoji="0" lang="fr-FR" dirty="0"/>
               <a:t>Modifiez les styles du texte du masque</a:t>
             </a:r>
           </a:p>
           <a:p>
             <a:pPr lvl="1" eaLnBrk="1" latinLnBrk="0" hangingPunct="1"/>
             <a:r>
-              <a:rPr kumimoji="0" lang="fr-FR" dirty="0" smtClean="0"/>
+              <a:rPr kumimoji="0" lang="fr-FR" dirty="0"/>
               <a:t>Deuxième niveau</a:t>
             </a:r>
           </a:p>
           <a:p>
             <a:pPr lvl="2" eaLnBrk="1" latinLnBrk="0" hangingPunct="1"/>
             <a:r>
-              <a:rPr kumimoji="0" lang="fr-FR" dirty="0" smtClean="0"/>
+              <a:rPr kumimoji="0" lang="fr-FR" dirty="0"/>
               <a:t>Troisième niveau</a:t>
             </a:r>
           </a:p>
           <a:p>
             <a:pPr lvl="3" eaLnBrk="1" latinLnBrk="0" hangingPunct="1"/>
             <a:r>
-              <a:rPr kumimoji="0" lang="fr-FR" dirty="0" smtClean="0"/>
+              <a:rPr kumimoji="0" lang="fr-FR" dirty="0"/>
               <a:t>Quatrième niveau</a:t>
             </a:r>
           </a:p>
           <a:p>
             <a:pPr lvl="4" eaLnBrk="1" latinLnBrk="0" hangingPunct="1"/>
             <a:r>
-              <a:rPr kumimoji="0" lang="fr-FR" dirty="0" smtClean="0"/>
+              <a:rPr kumimoji="0" lang="fr-FR" dirty="0"/>
               <a:t>Cinquième niveau</a:t>
             </a:r>
             <a:endParaRPr kumimoji="0" lang="en-US" dirty="0"/>
@@ -8959,7 +8752,7 @@
           <a:p>
             <a:pPr algn="r"/>
             <a:r>
-              <a:rPr lang="fr-FR" smtClean="0"/>
+              <a:rPr lang="fr-FR"/>
               <a:t>28/6/2006</a:t>
             </a:r>
             <a:endParaRPr kumimoji="0" lang="fr-FR" sz="1000">
@@ -9051,9 +8844,7 @@
         </p:style>
         <p:txBody>
           <a:bodyPr anchor="ctr"/>
-          <a:lstStyle>
-            <a:extLst/>
-          </a:lstStyle>
+          <a:lstStyle/>
           <a:p>
             <a:pPr algn="ctr"/>
             <a:endParaRPr kumimoji="0" lang="fr-FR"/>
@@ -9165,7 +8956,7 @@
               <a:defRPr/>
             </a:pPr>
             <a:r>
-              <a:rPr kumimoji="0" lang="fr-FR" sz="2400" b="0" i="0" u="none" strike="noStrike" kern="0" cap="small" spc="0" normalizeH="0" baseline="0" noProof="0" dirty="0" smtClean="0">
+              <a:rPr kumimoji="0" lang="fr-FR" sz="2400" b="0" i="0" u="none" strike="noStrike" kern="0" cap="small" spc="0" normalizeH="0" baseline="0" noProof="0" dirty="0">
                 <a:ln>
                   <a:noFill/>
                 </a:ln>
@@ -9181,20 +8972,6 @@
               </a:rPr>
               <a:t>La démarche Ingénieur</a:t>
             </a:r>
-            <a:endParaRPr kumimoji="0" lang="fr-FR" sz="2400" b="0" i="0" u="none" strike="noStrike" kern="0" cap="small" spc="0" normalizeH="0" baseline="0" noProof="0" dirty="0">
-              <a:ln>
-                <a:noFill/>
-              </a:ln>
-              <a:solidFill>
-                <a:schemeClr val="bg1"/>
-              </a:solidFill>
-              <a:effectLst/>
-              <a:uLnTx/>
-              <a:uFillTx/>
-              <a:latin typeface="+mj-lt"/>
-              <a:ea typeface="+mj-ea"/>
-              <a:cs typeface="+mj-cs"/>
-            </a:endParaRPr>
           </a:p>
         </p:txBody>
       </p:sp>
@@ -9219,13 +8996,6 @@
     <p:sldLayoutId id="2147483662" r:id="rId15"/>
     <p:sldLayoutId id="2147483664" r:id="rId16"/>
   </p:sldLayoutIdLst>
-  <p:timing>
-    <p:tnLst>
-      <p:par>
-        <p:cTn id="1" dur="indefinite" restart="never" nodeType="tmRoot"/>
-      </p:par>
-    </p:tnLst>
-  </p:timing>
   <p:hf hdr="0" ftr="0" dt="0"/>
   <p:txStyles>
     <p:titleStyle>
@@ -9636,10 +9406,9 @@
           <a:p>
             <a:pPr algn="ctr"/>
             <a:r>
-              <a:rPr lang="fr-FR" sz="1400" dirty="0" smtClean="0"/>
+              <a:rPr lang="fr-FR" sz="1400" dirty="0"/>
               <a:t>Tests unitaires</a:t>
             </a:r>
-            <a:endParaRPr lang="fr-FR" sz="1400" dirty="0"/>
           </a:p>
         </p:txBody>
       </p:sp>
@@ -9678,10 +9447,9 @@
           <a:p>
             <a:pPr algn="ctr"/>
             <a:r>
-              <a:rPr lang="fr-FR" sz="1400" dirty="0" smtClean="0"/>
+              <a:rPr lang="fr-FR" sz="1400" dirty="0"/>
               <a:t>Réalisation</a:t>
             </a:r>
-            <a:endParaRPr lang="fr-FR" sz="1400" dirty="0"/>
           </a:p>
         </p:txBody>
       </p:sp>
@@ -9720,10 +9488,9 @@
           <a:p>
             <a:pPr algn="ctr"/>
             <a:r>
-              <a:rPr lang="fr-FR" sz="1400" dirty="0" smtClean="0"/>
+              <a:rPr lang="fr-FR" sz="1400" dirty="0"/>
               <a:t>Conception détaillée</a:t>
             </a:r>
-            <a:endParaRPr lang="fr-FR" sz="1400" dirty="0"/>
           </a:p>
         </p:txBody>
       </p:sp>
@@ -9762,10 +9529,9 @@
           <a:p>
             <a:pPr algn="ctr"/>
             <a:r>
-              <a:rPr lang="fr-FR" sz="1400" dirty="0" smtClean="0"/>
+              <a:rPr lang="fr-FR" sz="1400" dirty="0"/>
               <a:t>Tests d’intégration</a:t>
             </a:r>
-            <a:endParaRPr lang="fr-FR" sz="1400" dirty="0"/>
           </a:p>
         </p:txBody>
       </p:sp>
@@ -9804,10 +9570,9 @@
           <a:p>
             <a:pPr algn="ctr"/>
             <a:r>
-              <a:rPr lang="fr-FR" sz="1400" dirty="0" smtClean="0"/>
+              <a:rPr lang="fr-FR" sz="1400" dirty="0"/>
               <a:t>Conception générale</a:t>
             </a:r>
-            <a:endParaRPr lang="fr-FR" sz="1400" dirty="0"/>
           </a:p>
         </p:txBody>
       </p:sp>
@@ -9846,10 +9611,9 @@
           <a:p>
             <a:pPr algn="ctr"/>
             <a:r>
-              <a:rPr lang="fr-FR" sz="1400" dirty="0" smtClean="0"/>
+              <a:rPr lang="fr-FR" sz="1400" dirty="0"/>
               <a:t>Validation</a:t>
             </a:r>
-            <a:endParaRPr lang="fr-FR" sz="1400" dirty="0"/>
           </a:p>
         </p:txBody>
       </p:sp>
@@ -9888,7 +9652,7 @@
           <a:p>
             <a:pPr algn="ctr"/>
             <a:r>
-              <a:rPr lang="fr-FR" sz="1400" dirty="0" smtClean="0"/>
+              <a:rPr lang="fr-FR" sz="1400" dirty="0"/>
               <a:t>Spécifications</a:t>
             </a:r>
           </a:p>
@@ -9929,10 +9693,9 @@
           <a:p>
             <a:pPr algn="ctr"/>
             <a:r>
-              <a:rPr lang="fr-FR" sz="1400" dirty="0" smtClean="0"/>
+              <a:rPr lang="fr-FR" sz="1400" dirty="0"/>
               <a:t>Production</a:t>
             </a:r>
-            <a:endParaRPr lang="fr-FR" sz="1400" dirty="0"/>
           </a:p>
         </p:txBody>
       </p:sp>
@@ -9971,10 +9734,9 @@
           <a:p>
             <a:pPr algn="ctr"/>
             <a:r>
-              <a:rPr lang="fr-FR" sz="1400" dirty="0" smtClean="0"/>
+              <a:rPr lang="fr-FR" sz="1400" dirty="0"/>
               <a:t>Expression des besoins</a:t>
             </a:r>
-            <a:endParaRPr lang="fr-FR" sz="1400" dirty="0"/>
           </a:p>
         </p:txBody>
       </p:sp>
@@ -10013,17 +9775,16 @@
           <a:p>
             <a:pPr algn="ctr"/>
             <a:r>
-              <a:rPr lang="fr-FR" sz="1400" dirty="0" smtClean="0"/>
+              <a:rPr lang="fr-FR" sz="1400" dirty="0"/>
               <a:t>Utilisation</a:t>
             </a:r>
           </a:p>
           <a:p>
             <a:pPr algn="ctr"/>
             <a:r>
-              <a:rPr lang="fr-FR" sz="1400" dirty="0" smtClean="0"/>
+              <a:rPr lang="fr-FR" sz="1400" dirty="0"/>
               <a:t>Maintenance</a:t>
             </a:r>
-            <a:endParaRPr lang="fr-FR" sz="1400" dirty="0"/>
           </a:p>
         </p:txBody>
       </p:sp>
@@ -10062,10 +9823,9 @@
           <a:p>
             <a:pPr algn="ctr"/>
             <a:r>
-              <a:rPr lang="fr-FR" sz="1400" dirty="0" smtClean="0"/>
+              <a:rPr lang="fr-FR" sz="1400" dirty="0"/>
               <a:t>Recyclage</a:t>
             </a:r>
-            <a:endParaRPr lang="fr-FR" sz="1400" dirty="0"/>
           </a:p>
         </p:txBody>
       </p:sp>
@@ -10264,13 +10024,6 @@
   <p:clrMapOvr>
     <a:masterClrMapping/>
   </p:clrMapOvr>
-  <p:timing>
-    <p:tnLst>
-      <p:par>
-        <p:cTn id="1" dur="indefinite" restart="never" nodeType="tmRoot"/>
-      </p:par>
-    </p:tnLst>
-  </p:timing>
 </p:sld>
 </file>
 
@@ -10434,10 +10187,9 @@
           <a:p>
             <a:pPr algn="ctr"/>
             <a:r>
-              <a:rPr lang="fr-FR" sz="1400" dirty="0" smtClean="0"/>
+              <a:rPr lang="fr-FR" sz="1400" dirty="0"/>
               <a:t>Tests unitaires</a:t>
             </a:r>
-            <a:endParaRPr lang="fr-FR" sz="1400" dirty="0"/>
           </a:p>
         </p:txBody>
       </p:sp>
@@ -10476,10 +10228,9 @@
           <a:p>
             <a:pPr algn="ctr"/>
             <a:r>
-              <a:rPr lang="fr-FR" sz="1400" dirty="0" smtClean="0"/>
+              <a:rPr lang="fr-FR" sz="1400" dirty="0"/>
               <a:t>Réalisation</a:t>
             </a:r>
-            <a:endParaRPr lang="fr-FR" sz="1400" dirty="0"/>
           </a:p>
         </p:txBody>
       </p:sp>
@@ -10518,10 +10269,9 @@
           <a:p>
             <a:pPr algn="ctr"/>
             <a:r>
-              <a:rPr lang="fr-FR" sz="1400" dirty="0" smtClean="0"/>
+              <a:rPr lang="fr-FR" sz="1400" dirty="0"/>
               <a:t>Conception détaillée</a:t>
             </a:r>
-            <a:endParaRPr lang="fr-FR" sz="1400" dirty="0"/>
           </a:p>
         </p:txBody>
       </p:sp>
@@ -10560,10 +10310,9 @@
           <a:p>
             <a:pPr algn="ctr"/>
             <a:r>
-              <a:rPr lang="fr-FR" sz="1400" dirty="0" smtClean="0"/>
+              <a:rPr lang="fr-FR" sz="1400" dirty="0"/>
               <a:t>Tests d’intégration</a:t>
             </a:r>
-            <a:endParaRPr lang="fr-FR" sz="1400" dirty="0"/>
           </a:p>
         </p:txBody>
       </p:sp>
@@ -10602,10 +10351,9 @@
           <a:p>
             <a:pPr algn="ctr"/>
             <a:r>
-              <a:rPr lang="fr-FR" sz="1400" dirty="0" smtClean="0"/>
+              <a:rPr lang="fr-FR" sz="1400" dirty="0"/>
               <a:t>Conception générale</a:t>
             </a:r>
-            <a:endParaRPr lang="fr-FR" sz="1400" dirty="0"/>
           </a:p>
         </p:txBody>
       </p:sp>
@@ -10644,10 +10392,9 @@
           <a:p>
             <a:pPr algn="ctr"/>
             <a:r>
-              <a:rPr lang="fr-FR" sz="1400" dirty="0" smtClean="0"/>
+              <a:rPr lang="fr-FR" sz="1400" dirty="0"/>
               <a:t>Validation</a:t>
             </a:r>
-            <a:endParaRPr lang="fr-FR" sz="1400" dirty="0"/>
           </a:p>
         </p:txBody>
       </p:sp>
@@ -10686,7 +10433,7 @@
           <a:p>
             <a:pPr algn="ctr"/>
             <a:r>
-              <a:rPr lang="fr-FR" sz="1400" dirty="0" smtClean="0"/>
+              <a:rPr lang="fr-FR" sz="1400" dirty="0"/>
               <a:t>Spécifications</a:t>
             </a:r>
           </a:p>
@@ -10727,10 +10474,9 @@
           <a:p>
             <a:pPr algn="ctr"/>
             <a:r>
-              <a:rPr lang="fr-FR" sz="1400" dirty="0" smtClean="0"/>
+              <a:rPr lang="fr-FR" sz="1400" dirty="0"/>
               <a:t>Production</a:t>
             </a:r>
-            <a:endParaRPr lang="fr-FR" sz="1400" dirty="0"/>
           </a:p>
         </p:txBody>
       </p:sp>
@@ -10769,10 +10515,9 @@
           <a:p>
             <a:pPr algn="ctr"/>
             <a:r>
-              <a:rPr lang="fr-FR" sz="1400" dirty="0" smtClean="0"/>
+              <a:rPr lang="fr-FR" sz="1400" dirty="0"/>
               <a:t>Expression des besoins</a:t>
             </a:r>
-            <a:endParaRPr lang="fr-FR" sz="1400" dirty="0"/>
           </a:p>
         </p:txBody>
       </p:sp>
@@ -10811,17 +10556,16 @@
           <a:p>
             <a:pPr algn="ctr"/>
             <a:r>
-              <a:rPr lang="fr-FR" sz="1400" dirty="0" smtClean="0"/>
+              <a:rPr lang="fr-FR" sz="1400" dirty="0"/>
               <a:t>Utilisation</a:t>
             </a:r>
           </a:p>
           <a:p>
             <a:pPr algn="ctr"/>
             <a:r>
-              <a:rPr lang="fr-FR" sz="1400" dirty="0" smtClean="0"/>
+              <a:rPr lang="fr-FR" sz="1400" dirty="0"/>
               <a:t>Maintenance</a:t>
             </a:r>
-            <a:endParaRPr lang="fr-FR" sz="1400" dirty="0"/>
           </a:p>
         </p:txBody>
       </p:sp>
@@ -10860,10 +10604,9 @@
           <a:p>
             <a:pPr algn="ctr"/>
             <a:r>
-              <a:rPr lang="fr-FR" sz="1400" dirty="0" smtClean="0"/>
+              <a:rPr lang="fr-FR" sz="1400" dirty="0"/>
               <a:t>Recyclage</a:t>
             </a:r>
-            <a:endParaRPr lang="fr-FR" sz="1400" dirty="0"/>
           </a:p>
         </p:txBody>
       </p:sp>
@@ -11305,13 +11048,6 @@
   <p:clrMapOvr>
     <a:masterClrMapping/>
   </p:clrMapOvr>
-  <p:timing>
-    <p:tnLst>
-      <p:par>
-        <p:cTn id="1" dur="indefinite" restart="never" nodeType="tmRoot"/>
-      </p:par>
-    </p:tnLst>
-  </p:timing>
 </p:sld>
 </file>
 
@@ -11476,10 +11212,9 @@
           <a:lstStyle/>
           <a:p>
             <a:r>
-              <a:rPr lang="fr-FR" sz="1200" dirty="0" smtClean="0"/>
+              <a:rPr lang="fr-FR" sz="1200" dirty="0"/>
               <a:t>Connecteur SATA</a:t>
             </a:r>
-            <a:endParaRPr lang="fr-FR" sz="1200" dirty="0"/>
           </a:p>
         </p:txBody>
       </p:sp>
@@ -11784,6 +11519,83 @@
     <p:extLst>
       <p:ext uri="{BB962C8B-B14F-4D97-AF65-F5344CB8AC3E}">
         <p14:creationId xmlns:p14="http://schemas.microsoft.com/office/powerpoint/2010/main" val="2759216057"/>
+      </p:ext>
+    </p:extLst>
+  </p:cSld>
+  <p:clrMapOvr>
+    <a:masterClrMapping/>
+  </p:clrMapOvr>
+</p:sld>
+</file>
+
+<file path=ppt/slides/slide4.xml><?xml version="1.0" encoding="utf-8"?>
+<p:sld xmlns:a="http://schemas.openxmlformats.org/drawingml/2006/main" xmlns:r="http://schemas.openxmlformats.org/officeDocument/2006/relationships" xmlns:p="http://schemas.openxmlformats.org/presentationml/2006/main">
+  <p:cSld>
+    <p:spTree>
+      <p:nvGrpSpPr>
+        <p:cNvPr id="1" name=""/>
+        <p:cNvGrpSpPr/>
+        <p:nvPr/>
+      </p:nvGrpSpPr>
+      <p:grpSpPr>
+        <a:xfrm>
+          <a:off x="0" y="0"/>
+          <a:ext cx="0" cy="0"/>
+          <a:chOff x="0" y="0"/>
+          <a:chExt cx="0" cy="0"/>
+        </a:xfrm>
+      </p:grpSpPr>
+      <p:pic>
+        <p:nvPicPr>
+          <p:cNvPr id="1026" name="Picture 2" descr="https://i2.cdscdn.com/pdt2/5/7/8/1/700x700/asr4711140871578/rw/carte-mere-asrock-g41m-vs3-r2-0-chipset-intel.jpg">
+            <a:extLst>
+              <a:ext uri="{FF2B5EF4-FFF2-40B4-BE49-F238E27FC236}">
+                <a16:creationId xmlns:a16="http://schemas.microsoft.com/office/drawing/2014/main" id="{995D5AF8-E5D3-46DE-9083-0AEF7C8799E4}"/>
+              </a:ext>
+            </a:extLst>
+          </p:cNvPr>
+          <p:cNvPicPr>
+            <a:picLocks noChangeAspect="1" noChangeArrowheads="1"/>
+          </p:cNvPicPr>
+          <p:nvPr/>
+        </p:nvPicPr>
+        <p:blipFill>
+          <a:blip r:embed="rId2">
+            <a:extLst>
+              <a:ext uri="{28A0092B-C50C-407E-A947-70E740481C1C}">
+                <a14:useLocalDpi xmlns:a14="http://schemas.microsoft.com/office/drawing/2010/main" val="0"/>
+              </a:ext>
+            </a:extLst>
+          </a:blip>
+          <a:srcRect/>
+          <a:stretch>
+            <a:fillRect/>
+          </a:stretch>
+        </p:blipFill>
+        <p:spPr bwMode="auto">
+          <a:xfrm>
+            <a:off x="1403648" y="1268760"/>
+            <a:ext cx="5715000" cy="5715000"/>
+          </a:xfrm>
+          <a:prstGeom prst="rect">
+            <a:avLst/>
+          </a:prstGeom>
+          <a:noFill/>
+          <a:extLst>
+            <a:ext uri="{909E8E84-426E-40DD-AFC4-6F175D3DCCD1}">
+              <a14:hiddenFill xmlns:a14="http://schemas.microsoft.com/office/drawing/2010/main">
+                <a:solidFill>
+                  <a:srgbClr val="FFFFFF"/>
+                </a:solidFill>
+              </a14:hiddenFill>
+            </a:ext>
+          </a:extLst>
+        </p:spPr>
+      </p:pic>
+    </p:spTree>
+    <p:extLst>
+      <p:ext uri="{BB962C8B-B14F-4D97-AF65-F5344CB8AC3E}">
+        <p14:creationId xmlns:p14="http://schemas.microsoft.com/office/powerpoint/2010/main" val="2968713203"/>
       </p:ext>
     </p:extLst>
   </p:cSld>
